--- a/Ch10-재귀함수활용_Class.pptx
+++ b/Ch10-재귀함수활용_Class.pptx
@@ -278,7 +278,7 @@
             <a:fld id="{36C39FFA-0F1A-413B-9BFE-941741C2D487}" type="datetimeFigureOut">
               <a:rPr lang="ko-KR" altLang="en-US" smtClean="0"/>
               <a:pPr/>
-              <a:t>2023-05-22</a:t>
+              <a:t>2023-05-29</a:t>
             </a:fld>
             <a:endParaRPr lang="ko-KR" altLang="en-US"/>
           </a:p>
@@ -445,7 +445,7 @@
             <a:fld id="{1F54C1B5-EB92-45E6-AFCD-6AAB73579DF8}" type="datetimeFigureOut">
               <a:rPr lang="ko-KR" altLang="en-US" smtClean="0"/>
               <a:pPr/>
-              <a:t>2023-05-22</a:t>
+              <a:t>2023-05-29</a:t>
             </a:fld>
             <a:endParaRPr lang="ko-KR" altLang="en-US"/>
           </a:p>
@@ -4408,7 +4408,7 @@
               <a:pPr>
                 <a:defRPr/>
               </a:pPr>
-              <a:t>2023-05-22</a:t>
+              <a:t>2023-05-29</a:t>
             </a:fld>
             <a:endParaRPr lang="ko-KR" altLang="en-US"/>
           </a:p>
@@ -4963,7 +4963,7 @@
                   <a:schemeClr val="bg1"/>
                 </a:solidFill>
               </a:rPr>
-              <a:t>제귀함수의 </a:t>
+              <a:t>재귀함수의 </a:t>
             </a:r>
             <a:r>
               <a:rPr lang="ko-KR" altLang="en-US" sz="3600" b="1" smtClean="0">
@@ -6422,19 +6422,7 @@
                 </a:solidFill>
                 <a:cs typeface="Arial" panose="020B0604020202020204" pitchFamily="34" charset="0"/>
               </a:rPr>
-              <a:t>class </a:t>
-            </a:r>
-            <a:r>
-              <a:rPr lang="en-US" altLang="ko-KR" sz="1300" smtClean="0">
-                <a:solidFill>
-                  <a:schemeClr val="tx1">
-                    <a:lumMod val="95000"/>
-                    <a:lumOff val="5000"/>
-                  </a:schemeClr>
-                </a:solidFill>
-                <a:cs typeface="Arial" panose="020B0604020202020204" pitchFamily="34" charset="0"/>
-              </a:rPr>
-              <a:t>Node:</a:t>
+              <a:t>class Node:</a:t>
             </a:r>
             <a:endParaRPr lang="en-US" altLang="ko-KR" sz="1300">
               <a:solidFill>
@@ -6885,16 +6873,7 @@
                 </a:solidFill>
                 <a:cs typeface="Arial" panose="020B0604020202020204" pitchFamily="34" charset="0"/>
               </a:rPr>
-              <a:t>class </a:t>
-            </a:r>
-            <a:r>
-              <a:rPr lang="en-US" altLang="ko-KR" sz="1300" smtClean="0">
-                <a:solidFill>
-                  <a:schemeClr val="tx1"/>
-                </a:solidFill>
-                <a:cs typeface="Arial" panose="020B0604020202020204" pitchFamily="34" charset="0"/>
-              </a:rPr>
-              <a:t>Node:</a:t>
+              <a:t>class Node:</a:t>
             </a:r>
             <a:endParaRPr lang="en-US" altLang="ko-KR" sz="1300">
               <a:solidFill>
@@ -9137,16 +9116,7 @@
                 </a:solidFill>
                 <a:cs typeface="Arial" panose="020B0604020202020204" pitchFamily="34" charset="0"/>
               </a:rPr>
-              <a:t>    </a:t>
-            </a:r>
-            <a:r>
-              <a:rPr lang="en-US" altLang="ko-KR" sz="1200">
-                <a:solidFill>
-                  <a:schemeClr val="tx1"/>
-                </a:solidFill>
-                <a:cs typeface="Arial" panose="020B0604020202020204" pitchFamily="34" charset="0"/>
-              </a:rPr>
-              <a:t> if self.left is None:</a:t>
+              <a:t>     if self.left is None:</a:t>
             </a:r>
           </a:p>
           <a:p>
@@ -9803,19 +9773,7 @@
                 </a:solidFill>
                 <a:cs typeface="Arial" panose="020B0604020202020204" pitchFamily="34" charset="0"/>
               </a:rPr>
-              <a:t>get_node</a:t>
-            </a:r>
-            <a:r>
-              <a:rPr lang="en-US" altLang="ko-KR" sz="1400" smtClean="0">
-                <a:solidFill>
-                  <a:schemeClr val="tx1">
-                    <a:lumMod val="95000"/>
-                    <a:lumOff val="5000"/>
-                  </a:schemeClr>
-                </a:solidFill>
-                <a:cs typeface="Arial" panose="020B0604020202020204" pitchFamily="34" charset="0"/>
-              </a:rPr>
-              <a:t>() </a:t>
+              <a:t>get_node() </a:t>
             </a:r>
             <a:r>
               <a:rPr lang="ko-KR" altLang="en-US" sz="1400" smtClean="0">
@@ -11725,16 +11683,7 @@
                 </a:solidFill>
                 <a:cs typeface="Arial" panose="020B0604020202020204" pitchFamily="34" charset="0"/>
               </a:rPr>
-              <a:t>root.right.right = Node(</a:t>
-            </a:r>
-            <a:r>
-              <a:rPr lang="en-US" altLang="ko-KR" sz="1200">
-                <a:solidFill>
-                  <a:schemeClr val="tx1"/>
-                </a:solidFill>
-                <a:cs typeface="Arial" panose="020B0604020202020204" pitchFamily="34" charset="0"/>
-              </a:rPr>
-              <a:t>'3</a:t>
+              <a:t>root.right.right = Node('3</a:t>
             </a:r>
             <a:r>
               <a:rPr lang="en-US" altLang="ko-KR" sz="1200" smtClean="0">
@@ -12123,19 +12072,7 @@
                 </a:solidFill>
                 <a:cs typeface="Arial" panose="020B0604020202020204" pitchFamily="34" charset="0"/>
               </a:rPr>
-              <a:t>left </a:t>
-            </a:r>
-            <a:r>
-              <a:rPr lang="en-US" altLang="ko-KR" sz="1300">
-                <a:solidFill>
-                  <a:schemeClr val="tx1">
-                    <a:lumMod val="95000"/>
-                    <a:lumOff val="5000"/>
-                  </a:schemeClr>
-                </a:solidFill>
-                <a:cs typeface="Arial" panose="020B0604020202020204" pitchFamily="34" charset="0"/>
-              </a:rPr>
-              <a:t>root </a:t>
+              <a:t>left root </a:t>
             </a:r>
             <a:r>
               <a:rPr lang="ko-KR" altLang="en-US" sz="1300" smtClean="0">
@@ -13743,19 +13680,7 @@
                 </a:solidFill>
                 <a:cs typeface="Arial" panose="020B0604020202020204" pitchFamily="34" charset="0"/>
               </a:rPr>
-              <a:t>()</a:t>
-            </a:r>
-            <a:r>
-              <a:rPr lang="en-US" altLang="ko-KR" sz="1400" smtClean="0">
-                <a:solidFill>
-                  <a:schemeClr val="tx1">
-                    <a:lumMod val="95000"/>
-                    <a:lumOff val="5000"/>
-                  </a:schemeClr>
-                </a:solidFill>
-                <a:cs typeface="Arial" panose="020B0604020202020204" pitchFamily="34" charset="0"/>
-              </a:rPr>
-              <a:t> </a:t>
+              <a:t>() </a:t>
             </a:r>
             <a:r>
               <a:rPr lang="ko-KR" altLang="en-US" sz="1400" smtClean="0">
@@ -14539,6 +14464,79 @@
           </p:style>
         </p:cxnSp>
       </p:grpSp>
+      <p:sp>
+        <p:nvSpPr>
+          <p:cNvPr id="23" name="직사각형 22"/>
+          <p:cNvSpPr/>
+          <p:nvPr/>
+        </p:nvSpPr>
+        <p:spPr>
+          <a:xfrm>
+            <a:off x="5849909" y="1512312"/>
+            <a:ext cx="2749792" cy="338554"/>
+          </a:xfrm>
+          <a:prstGeom prst="rect">
+            <a:avLst/>
+          </a:prstGeom>
+        </p:spPr>
+        <p:txBody>
+          <a:bodyPr wrap="none">
+            <a:spAutoFit/>
+          </a:bodyPr>
+          <a:lstStyle/>
+          <a:p>
+            <a:r>
+              <a:rPr lang="ko-KR" altLang="en-US" sz="1600" smtClean="0">
+                <a:solidFill>
+                  <a:schemeClr val="tx1">
+                    <a:lumMod val="50000"/>
+                    <a:lumOff val="50000"/>
+                  </a:schemeClr>
+                </a:solidFill>
+                <a:latin typeface="+mn-ea"/>
+                <a:ea typeface="+mn-ea"/>
+              </a:rPr>
+              <a:t>Ch10-Class</a:t>
+            </a:r>
+            <a:r>
+              <a:rPr lang="en-US" altLang="ko-KR" sz="1600" smtClean="0">
+                <a:solidFill>
+                  <a:schemeClr val="tx1">
+                    <a:lumMod val="50000"/>
+                    <a:lumOff val="50000"/>
+                  </a:schemeClr>
+                </a:solidFill>
+                <a:latin typeface="+mn-ea"/>
+                <a:ea typeface="+mn-ea"/>
+              </a:rPr>
+              <a:t>TreeConstruct</a:t>
+            </a:r>
+            <a:r>
+              <a:rPr lang="ko-KR" altLang="en-US" sz="1600" smtClean="0">
+                <a:solidFill>
+                  <a:schemeClr val="tx1">
+                    <a:lumMod val="50000"/>
+                    <a:lumOff val="50000"/>
+                  </a:schemeClr>
+                </a:solidFill>
+                <a:latin typeface="+mn-ea"/>
+                <a:ea typeface="+mn-ea"/>
+              </a:rPr>
+              <a:t>.py</a:t>
+            </a:r>
+            <a:endParaRPr lang="ko-KR" altLang="en-US" sz="1600">
+              <a:solidFill>
+                <a:schemeClr val="tx1">
+                  <a:lumMod val="50000"/>
+                  <a:lumOff val="50000"/>
+                </a:schemeClr>
+              </a:solidFill>
+              <a:latin typeface="+mn-ea"/>
+              <a:ea typeface="+mn-ea"/>
+            </a:endParaRPr>
+          </a:p>
+        </p:txBody>
+      </p:sp>
     </p:spTree>
     <p:extLst>
       <p:ext uri="{BB962C8B-B14F-4D97-AF65-F5344CB8AC3E}">
@@ -15514,19 +15512,7 @@
                 </a:solidFill>
                 <a:cs typeface="Arial" panose="020B0604020202020204" pitchFamily="34" charset="0"/>
               </a:rPr>
-              <a:t>()</a:t>
-            </a:r>
-            <a:r>
-              <a:rPr lang="en-US" altLang="ko-KR" sz="1400" smtClean="0">
-                <a:solidFill>
-                  <a:schemeClr val="tx1">
-                    <a:lumMod val="95000"/>
-                    <a:lumOff val="5000"/>
-                  </a:schemeClr>
-                </a:solidFill>
-                <a:cs typeface="Arial" panose="020B0604020202020204" pitchFamily="34" charset="0"/>
-              </a:rPr>
-              <a:t> </a:t>
+              <a:t>() </a:t>
             </a:r>
             <a:r>
               <a:rPr lang="ko-KR" altLang="en-US" sz="1400" smtClean="0">
@@ -16310,6 +16296,79 @@
           </p:style>
         </p:cxnSp>
       </p:grpSp>
+      <p:sp>
+        <p:nvSpPr>
+          <p:cNvPr id="23" name="직사각형 22"/>
+          <p:cNvSpPr/>
+          <p:nvPr/>
+        </p:nvSpPr>
+        <p:spPr>
+          <a:xfrm>
+            <a:off x="5849909" y="1512312"/>
+            <a:ext cx="2749792" cy="338554"/>
+          </a:xfrm>
+          <a:prstGeom prst="rect">
+            <a:avLst/>
+          </a:prstGeom>
+        </p:spPr>
+        <p:txBody>
+          <a:bodyPr wrap="none">
+            <a:spAutoFit/>
+          </a:bodyPr>
+          <a:lstStyle/>
+          <a:p>
+            <a:r>
+              <a:rPr lang="ko-KR" altLang="en-US" sz="1600" smtClean="0">
+                <a:solidFill>
+                  <a:schemeClr val="tx1">
+                    <a:lumMod val="50000"/>
+                    <a:lumOff val="50000"/>
+                  </a:schemeClr>
+                </a:solidFill>
+                <a:latin typeface="+mn-ea"/>
+                <a:ea typeface="+mn-ea"/>
+              </a:rPr>
+              <a:t>Ch10-Class</a:t>
+            </a:r>
+            <a:r>
+              <a:rPr lang="en-US" altLang="ko-KR" sz="1600" smtClean="0">
+                <a:solidFill>
+                  <a:schemeClr val="tx1">
+                    <a:lumMod val="50000"/>
+                    <a:lumOff val="50000"/>
+                  </a:schemeClr>
+                </a:solidFill>
+                <a:latin typeface="+mn-ea"/>
+                <a:ea typeface="+mn-ea"/>
+              </a:rPr>
+              <a:t>TreeConstruct</a:t>
+            </a:r>
+            <a:r>
+              <a:rPr lang="ko-KR" altLang="en-US" sz="1600" smtClean="0">
+                <a:solidFill>
+                  <a:schemeClr val="tx1">
+                    <a:lumMod val="50000"/>
+                    <a:lumOff val="50000"/>
+                  </a:schemeClr>
+                </a:solidFill>
+                <a:latin typeface="+mn-ea"/>
+                <a:ea typeface="+mn-ea"/>
+              </a:rPr>
+              <a:t>.py</a:t>
+            </a:r>
+            <a:endParaRPr lang="ko-KR" altLang="en-US" sz="1600">
+              <a:solidFill>
+                <a:schemeClr val="tx1">
+                  <a:lumMod val="50000"/>
+                  <a:lumOff val="50000"/>
+                </a:schemeClr>
+              </a:solidFill>
+              <a:latin typeface="+mn-ea"/>
+              <a:ea typeface="+mn-ea"/>
+            </a:endParaRPr>
+          </a:p>
+        </p:txBody>
+      </p:sp>
     </p:spTree>
     <p:extLst>
       <p:ext uri="{BB962C8B-B14F-4D97-AF65-F5344CB8AC3E}">
@@ -17162,19 +17221,7 @@
                 </a:solidFill>
                 <a:cs typeface="Arial" panose="020B0604020202020204" pitchFamily="34" charset="0"/>
               </a:rPr>
-              <a:t>()</a:t>
-            </a:r>
-            <a:r>
-              <a:rPr lang="en-US" altLang="ko-KR" sz="1400" smtClean="0">
-                <a:solidFill>
-                  <a:schemeClr val="tx1">
-                    <a:lumMod val="95000"/>
-                    <a:lumOff val="5000"/>
-                  </a:schemeClr>
-                </a:solidFill>
-                <a:cs typeface="Arial" panose="020B0604020202020204" pitchFamily="34" charset="0"/>
-              </a:rPr>
-              <a:t> </a:t>
+              <a:t>() </a:t>
             </a:r>
             <a:r>
               <a:rPr lang="ko-KR" altLang="en-US" sz="1400" smtClean="0">
@@ -19103,7 +19150,7 @@
         </p:nvGrpSpPr>
         <p:grpSpPr>
           <a:xfrm>
-            <a:off x="6804248" y="3789040"/>
+            <a:off x="6517137" y="4005064"/>
             <a:ext cx="1511707" cy="1712031"/>
             <a:chOff x="3419872" y="3573016"/>
             <a:chExt cx="1525977" cy="1728192"/>
@@ -19784,6 +19831,79 @@
           </p:style>
         </p:cxnSp>
       </p:grpSp>
+      <p:sp>
+        <p:nvSpPr>
+          <p:cNvPr id="23" name="직사각형 22"/>
+          <p:cNvSpPr/>
+          <p:nvPr/>
+        </p:nvSpPr>
+        <p:spPr>
+          <a:xfrm>
+            <a:off x="6421541" y="1659520"/>
+            <a:ext cx="2142959" cy="276999"/>
+          </a:xfrm>
+          <a:prstGeom prst="rect">
+            <a:avLst/>
+          </a:prstGeom>
+        </p:spPr>
+        <p:txBody>
+          <a:bodyPr wrap="none">
+            <a:spAutoFit/>
+          </a:bodyPr>
+          <a:lstStyle/>
+          <a:p>
+            <a:r>
+              <a:rPr lang="ko-KR" altLang="en-US" sz="1200" smtClean="0">
+                <a:solidFill>
+                  <a:schemeClr val="tx1">
+                    <a:lumMod val="50000"/>
+                    <a:lumOff val="50000"/>
+                  </a:schemeClr>
+                </a:solidFill>
+                <a:latin typeface="+mn-ea"/>
+                <a:ea typeface="+mn-ea"/>
+              </a:rPr>
+              <a:t>Ch10-Class</a:t>
+            </a:r>
+            <a:r>
+              <a:rPr lang="en-US" altLang="ko-KR" sz="1200" smtClean="0">
+                <a:solidFill>
+                  <a:schemeClr val="tx1">
+                    <a:lumMod val="50000"/>
+                    <a:lumOff val="50000"/>
+                  </a:schemeClr>
+                </a:solidFill>
+                <a:latin typeface="+mn-ea"/>
+                <a:ea typeface="+mn-ea"/>
+              </a:rPr>
+              <a:t>TreeOperation</a:t>
+            </a:r>
+            <a:r>
+              <a:rPr lang="ko-KR" altLang="en-US" sz="1200" smtClean="0">
+                <a:solidFill>
+                  <a:schemeClr val="tx1">
+                    <a:lumMod val="50000"/>
+                    <a:lumOff val="50000"/>
+                  </a:schemeClr>
+                </a:solidFill>
+                <a:latin typeface="+mn-ea"/>
+                <a:ea typeface="+mn-ea"/>
+              </a:rPr>
+              <a:t>.py</a:t>
+            </a:r>
+            <a:endParaRPr lang="ko-KR" altLang="en-US" sz="1200">
+              <a:solidFill>
+                <a:schemeClr val="tx1">
+                  <a:lumMod val="50000"/>
+                  <a:lumOff val="50000"/>
+                </a:schemeClr>
+              </a:solidFill>
+              <a:latin typeface="+mn-ea"/>
+              <a:ea typeface="+mn-ea"/>
+            </a:endParaRPr>
+          </a:p>
+        </p:txBody>
+      </p:sp>
     </p:spTree>
     <p:extLst>
       <p:ext uri="{BB962C8B-B14F-4D97-AF65-F5344CB8AC3E}">
@@ -21489,6 +21609,79 @@
           </p:style>
         </p:cxnSp>
       </p:grpSp>
+      <p:sp>
+        <p:nvSpPr>
+          <p:cNvPr id="23" name="직사각형 22"/>
+          <p:cNvSpPr/>
+          <p:nvPr/>
+        </p:nvSpPr>
+        <p:spPr>
+          <a:xfrm>
+            <a:off x="6421541" y="1659520"/>
+            <a:ext cx="2142959" cy="276999"/>
+          </a:xfrm>
+          <a:prstGeom prst="rect">
+            <a:avLst/>
+          </a:prstGeom>
+        </p:spPr>
+        <p:txBody>
+          <a:bodyPr wrap="none">
+            <a:spAutoFit/>
+          </a:bodyPr>
+          <a:lstStyle/>
+          <a:p>
+            <a:r>
+              <a:rPr lang="ko-KR" altLang="en-US" sz="1200" smtClean="0">
+                <a:solidFill>
+                  <a:schemeClr val="tx1">
+                    <a:lumMod val="50000"/>
+                    <a:lumOff val="50000"/>
+                  </a:schemeClr>
+                </a:solidFill>
+                <a:latin typeface="+mn-ea"/>
+                <a:ea typeface="+mn-ea"/>
+              </a:rPr>
+              <a:t>Ch10-Class</a:t>
+            </a:r>
+            <a:r>
+              <a:rPr lang="en-US" altLang="ko-KR" sz="1200" smtClean="0">
+                <a:solidFill>
+                  <a:schemeClr val="tx1">
+                    <a:lumMod val="50000"/>
+                    <a:lumOff val="50000"/>
+                  </a:schemeClr>
+                </a:solidFill>
+                <a:latin typeface="+mn-ea"/>
+                <a:ea typeface="+mn-ea"/>
+              </a:rPr>
+              <a:t>TreeOperation</a:t>
+            </a:r>
+            <a:r>
+              <a:rPr lang="ko-KR" altLang="en-US" sz="1200" smtClean="0">
+                <a:solidFill>
+                  <a:schemeClr val="tx1">
+                    <a:lumMod val="50000"/>
+                    <a:lumOff val="50000"/>
+                  </a:schemeClr>
+                </a:solidFill>
+                <a:latin typeface="+mn-ea"/>
+                <a:ea typeface="+mn-ea"/>
+              </a:rPr>
+              <a:t>.py</a:t>
+            </a:r>
+            <a:endParaRPr lang="ko-KR" altLang="en-US" sz="1200">
+              <a:solidFill>
+                <a:schemeClr val="tx1">
+                  <a:lumMod val="50000"/>
+                  <a:lumOff val="50000"/>
+                </a:schemeClr>
+              </a:solidFill>
+              <a:latin typeface="+mn-ea"/>
+              <a:ea typeface="+mn-ea"/>
+            </a:endParaRPr>
+          </a:p>
+        </p:txBody>
+      </p:sp>
     </p:spTree>
     <p:extLst>
       <p:ext uri="{BB962C8B-B14F-4D97-AF65-F5344CB8AC3E}">
@@ -21942,12 +22135,6 @@
               </a:rPr>
               <a:t>    </a:t>
             </a:r>
-            <a:endParaRPr lang="en-US" altLang="ko-KR" sz="1400">
-              <a:solidFill>
-                <a:schemeClr val="tx1"/>
-              </a:solidFill>
-              <a:cs typeface="Arial" panose="020B0604020202020204" pitchFamily="34" charset="0"/>
-            </a:endParaRPr>
           </a:p>
         </p:txBody>
       </p:sp>
@@ -23949,7 +24136,25 @@
                 </a:solidFill>
                 <a:cs typeface="Arial" panose="020B0604020202020204" pitchFamily="34" charset="0"/>
               </a:rPr>
-              <a:t>print("&gt;Call %d" %num</a:t>
+              <a:t>print</a:t>
+            </a:r>
+            <a:r>
+              <a:rPr lang="en-US" altLang="ko-KR" sz="1400" smtClean="0">
+                <a:solidFill>
+                  <a:srgbClr val="0000FF"/>
+                </a:solidFill>
+                <a:cs typeface="Arial" panose="020B0604020202020204" pitchFamily="34" charset="0"/>
+              </a:rPr>
+              <a:t>("&gt;&gt; Call </a:t>
+            </a:r>
+            <a:r>
+              <a:rPr lang="en-US" altLang="ko-KR" sz="1400">
+                <a:solidFill>
+                  <a:srgbClr val="0000FF"/>
+                </a:solidFill>
+                <a:cs typeface="Arial" panose="020B0604020202020204" pitchFamily="34" charset="0"/>
+              </a:rPr>
+              <a:t>%d" %num</a:t>
             </a:r>
             <a:r>
               <a:rPr lang="en-US" altLang="ko-KR" sz="1400">
@@ -24195,7 +24400,25 @@
                 </a:solidFill>
                 <a:cs typeface="Arial" panose="020B0604020202020204" pitchFamily="34" charset="0"/>
               </a:rPr>
-              <a:t>print("&gt;Return %d" %result)</a:t>
+              <a:t>print</a:t>
+            </a:r>
+            <a:r>
+              <a:rPr lang="en-US" altLang="ko-KR" sz="1400" smtClean="0">
+                <a:solidFill>
+                  <a:srgbClr val="0000FF"/>
+                </a:solidFill>
+                <a:cs typeface="Arial" panose="020B0604020202020204" pitchFamily="34" charset="0"/>
+              </a:rPr>
+              <a:t>("&lt;&lt; Return </a:t>
+            </a:r>
+            <a:r>
+              <a:rPr lang="en-US" altLang="ko-KR" sz="1400">
+                <a:solidFill>
+                  <a:srgbClr val="0000FF"/>
+                </a:solidFill>
+                <a:cs typeface="Arial" panose="020B0604020202020204" pitchFamily="34" charset="0"/>
+              </a:rPr>
+              <a:t>%d" %result)</a:t>
             </a:r>
           </a:p>
           <a:p>
@@ -24502,6 +24725,95 @@
                   <a:lumOff val="15000"/>
                 </a:schemeClr>
               </a:solidFill>
+            </a:endParaRPr>
+          </a:p>
+        </p:txBody>
+      </p:sp>
+      <p:pic>
+        <p:nvPicPr>
+          <p:cNvPr id="5" name="그림 4"/>
+          <p:cNvPicPr>
+            <a:picLocks noChangeAspect="1"/>
+          </p:cNvPicPr>
+          <p:nvPr/>
+        </p:nvPicPr>
+        <p:blipFill>
+          <a:blip r:embed="rId2"/>
+          <a:stretch>
+            <a:fillRect/>
+          </a:stretch>
+        </p:blipFill>
+        <p:spPr>
+          <a:xfrm>
+            <a:off x="6082899" y="3710347"/>
+            <a:ext cx="1695687" cy="1781424"/>
+          </a:xfrm>
+          <a:prstGeom prst="rect">
+            <a:avLst/>
+          </a:prstGeom>
+          <a:ln>
+            <a:solidFill>
+              <a:schemeClr val="bg1">
+                <a:lumMod val="85000"/>
+              </a:schemeClr>
+            </a:solidFill>
+          </a:ln>
+          <a:effectLst>
+            <a:outerShdw blurRad="50800" dist="38100" dir="2700000" algn="tl" rotWithShape="0">
+              <a:prstClr val="black">
+                <a:alpha val="40000"/>
+              </a:prstClr>
+            </a:outerShdw>
+          </a:effectLst>
+        </p:spPr>
+      </p:pic>
+      <p:sp>
+        <p:nvSpPr>
+          <p:cNvPr id="6" name="TextBox 5"/>
+          <p:cNvSpPr txBox="1"/>
+          <p:nvPr/>
+        </p:nvSpPr>
+        <p:spPr>
+          <a:xfrm>
+            <a:off x="6444208" y="1506903"/>
+            <a:ext cx="2011303" cy="422006"/>
+          </a:xfrm>
+          <a:prstGeom prst="rect">
+            <a:avLst/>
+          </a:prstGeom>
+        </p:spPr>
+        <p:txBody>
+          <a:bodyPr vert="horz" wrap="none" lIns="91440" tIns="45720" rIns="91440" bIns="45720" rtlCol="0" anchor="ctr">
+            <a:normAutofit/>
+          </a:bodyPr>
+          <a:lstStyle/>
+          <a:p>
+            <a:pPr marL="285750" indent="-285750">
+              <a:buFont typeface="Wingdings" panose="05000000000000000000" pitchFamily="2" charset="2"/>
+              <a:buChar char="v"/>
+            </a:pPr>
+            <a:r>
+              <a:rPr lang="en-US" altLang="ko-KR" sz="1400" smtClean="0">
+                <a:solidFill>
+                  <a:schemeClr val="tx1">
+                    <a:lumMod val="50000"/>
+                    <a:lumOff val="50000"/>
+                  </a:schemeClr>
+                </a:solidFill>
+                <a:latin typeface="+mn-ea"/>
+                <a:ea typeface="+mn-ea"/>
+              </a:rPr>
+              <a:t>Ch10-nFactorial.py</a:t>
+            </a:r>
+            <a:endParaRPr lang="ko-KR" altLang="en-US" sz="1400" dirty="0" smtClean="0">
+              <a:solidFill>
+                <a:schemeClr val="tx1">
+                  <a:lumMod val="50000"/>
+                  <a:lumOff val="50000"/>
+                </a:schemeClr>
+              </a:solidFill>
+              <a:latin typeface="+mn-ea"/>
+              <a:ea typeface="+mn-ea"/>
             </a:endParaRPr>
           </a:p>
         </p:txBody>

--- a/Ch10-재귀함수활용_Class.pptx
+++ b/Ch10-재귀함수활용_Class.pptx
@@ -278,7 +278,7 @@
             <a:fld id="{36C39FFA-0F1A-413B-9BFE-941741C2D487}" type="datetimeFigureOut">
               <a:rPr lang="ko-KR" altLang="en-US" smtClean="0"/>
               <a:pPr/>
-              <a:t>2023-05-29</a:t>
+              <a:t>2023-05-30</a:t>
             </a:fld>
             <a:endParaRPr lang="ko-KR" altLang="en-US"/>
           </a:p>
@@ -445,7 +445,7 @@
             <a:fld id="{1F54C1B5-EB92-45E6-AFCD-6AAB73579DF8}" type="datetimeFigureOut">
               <a:rPr lang="ko-KR" altLang="en-US" smtClean="0"/>
               <a:pPr/>
-              <a:t>2023-05-29</a:t>
+              <a:t>2023-05-30</a:t>
             </a:fld>
             <a:endParaRPr lang="ko-KR" altLang="en-US"/>
           </a:p>
@@ -4408,7 +4408,7 @@
               <a:pPr>
                 <a:defRPr/>
               </a:pPr>
-              <a:t>2023-05-29</a:t>
+              <a:t>2023-05-30</a:t>
             </a:fld>
             <a:endParaRPr lang="ko-KR" altLang="en-US"/>
           </a:p>
@@ -4963,15 +4963,7 @@
                   <a:schemeClr val="bg1"/>
                 </a:solidFill>
               </a:rPr>
-              <a:t>재귀함수의 </a:t>
-            </a:r>
-            <a:r>
-              <a:rPr lang="ko-KR" altLang="en-US" sz="3600" b="1" smtClean="0">
-                <a:solidFill>
-                  <a:schemeClr val="bg1"/>
-                </a:solidFill>
-              </a:rPr>
-              <a:t>활용과 </a:t>
+              <a:t>재귀함수의 활용과 </a:t>
             </a:r>
             <a:r>
               <a:rPr lang="en-US" altLang="ko-KR" sz="3600" b="1" smtClean="0">
@@ -5314,7 +5306,7 @@
               <a:t>는 </a:t>
             </a:r>
             <a:r>
-              <a:rPr lang="en-US" altLang="ko-KR" sz="1200">
+              <a:rPr lang="en-US" altLang="ko-KR" sz="1200" smtClean="0">
                 <a:solidFill>
                   <a:schemeClr val="tx1">
                     <a:lumMod val="50000"/>
@@ -5323,7 +5315,7 @@
                 </a:solidFill>
                 <a:cs typeface="Arial" panose="020B0604020202020204" pitchFamily="34" charset="0"/>
               </a:rPr>
-              <a:t>Node </a:t>
+              <a:t>Men </a:t>
             </a:r>
             <a:r>
               <a:rPr lang="ko-KR" altLang="en-US" sz="1200">
@@ -20259,8 +20251,38 @@
                 </a:solidFill>
                 <a:cs typeface="Arial" panose="020B0604020202020204" pitchFamily="34" charset="0"/>
               </a:rPr>
-              <a:t>        stack.extend(evaluate_binary_tree(root.left))</a:t>
-            </a:r>
+              <a:t>        stack.extend(evaluate_binary_tree(root.left</a:t>
+            </a:r>
+            <a:r>
+              <a:rPr lang="en-US" altLang="ko-KR" sz="1300" smtClean="0">
+                <a:solidFill>
+                  <a:schemeClr val="tx1"/>
+                </a:solidFill>
+                <a:cs typeface="Arial" panose="020B0604020202020204" pitchFamily="34" charset="0"/>
+              </a:rPr>
+              <a:t>))    </a:t>
+            </a:r>
+            <a:r>
+              <a:rPr lang="en-US" altLang="ko-KR" sz="1300" smtClean="0">
+                <a:solidFill>
+                  <a:schemeClr val="tx1">
+                    <a:lumMod val="50000"/>
+                    <a:lumOff val="50000"/>
+                  </a:schemeClr>
+                </a:solidFill>
+                <a:cs typeface="Arial" panose="020B0604020202020204" pitchFamily="34" charset="0"/>
+              </a:rPr>
+              <a:t>#left traverse</a:t>
+            </a:r>
+            <a:endParaRPr lang="en-US" altLang="ko-KR" sz="1300">
+              <a:solidFill>
+                <a:schemeClr val="tx1">
+                  <a:lumMod val="50000"/>
+                  <a:lumOff val="50000"/>
+                </a:schemeClr>
+              </a:solidFill>
+              <a:cs typeface="Arial" panose="020B0604020202020204" pitchFamily="34" charset="0"/>
+            </a:endParaRPr>
           </a:p>
           <a:p>
             <a:pPr>
@@ -20275,8 +20297,38 @@
                 </a:solidFill>
                 <a:cs typeface="Arial" panose="020B0604020202020204" pitchFamily="34" charset="0"/>
               </a:rPr>
-              <a:t>        stack.extend(evaluate_binary_tree(root.right))</a:t>
-            </a:r>
+              <a:t>        stack.extend(evaluate_binary_tree(root.right</a:t>
+            </a:r>
+            <a:r>
+              <a:rPr lang="en-US" altLang="ko-KR" sz="1300" smtClean="0">
+                <a:solidFill>
+                  <a:schemeClr val="tx1"/>
+                </a:solidFill>
+                <a:cs typeface="Arial" panose="020B0604020202020204" pitchFamily="34" charset="0"/>
+              </a:rPr>
+              <a:t>))  </a:t>
+            </a:r>
+            <a:r>
+              <a:rPr lang="en-US" altLang="ko-KR" sz="1300" smtClean="0">
+                <a:solidFill>
+                  <a:schemeClr val="tx1">
+                    <a:lumMod val="50000"/>
+                    <a:lumOff val="50000"/>
+                  </a:schemeClr>
+                </a:solidFill>
+                <a:cs typeface="Arial" panose="020B0604020202020204" pitchFamily="34" charset="0"/>
+              </a:rPr>
+              <a:t>#right traverse</a:t>
+            </a:r>
+            <a:endParaRPr lang="en-US" altLang="ko-KR" sz="1300">
+              <a:solidFill>
+                <a:schemeClr val="tx1">
+                  <a:lumMod val="50000"/>
+                  <a:lumOff val="50000"/>
+                </a:schemeClr>
+              </a:solidFill>
+              <a:cs typeface="Arial" panose="020B0604020202020204" pitchFamily="34" charset="0"/>
+            </a:endParaRPr>
           </a:p>
           <a:p>
             <a:pPr>
@@ -20291,8 +20343,38 @@
                 </a:solidFill>
                 <a:cs typeface="Arial" panose="020B0604020202020204" pitchFamily="34" charset="0"/>
               </a:rPr>
-              <a:t>        if root.value.isdigit():</a:t>
-            </a:r>
+              <a:t>        if root.value.isdigit</a:t>
+            </a:r>
+            <a:r>
+              <a:rPr lang="en-US" altLang="ko-KR" sz="1300" smtClean="0">
+                <a:solidFill>
+                  <a:schemeClr val="tx1"/>
+                </a:solidFill>
+                <a:cs typeface="Arial" panose="020B0604020202020204" pitchFamily="34" charset="0"/>
+              </a:rPr>
+              <a:t>():                                 </a:t>
+            </a:r>
+            <a:r>
+              <a:rPr lang="en-US" altLang="ko-KR" sz="1300" smtClean="0">
+                <a:solidFill>
+                  <a:schemeClr val="tx1">
+                    <a:lumMod val="50000"/>
+                    <a:lumOff val="50000"/>
+                  </a:schemeClr>
+                </a:solidFill>
+                <a:cs typeface="Arial" panose="020B0604020202020204" pitchFamily="34" charset="0"/>
+              </a:rPr>
+              <a:t>#root traverse</a:t>
+            </a:r>
+            <a:endParaRPr lang="en-US" altLang="ko-KR" sz="1300">
+              <a:solidFill>
+                <a:schemeClr val="tx1">
+                  <a:lumMod val="50000"/>
+                  <a:lumOff val="50000"/>
+                </a:schemeClr>
+              </a:solidFill>
+              <a:cs typeface="Arial" panose="020B0604020202020204" pitchFamily="34" charset="0"/>
+            </a:endParaRPr>
           </a:p>
           <a:p>
             <a:pPr>
@@ -26769,7 +26851,7 @@
               <a:t>는 </a:t>
             </a:r>
             <a:r>
-              <a:rPr lang="en-US" altLang="ko-KR" sz="1300">
+              <a:rPr lang="en-US" altLang="ko-KR" sz="1300" smtClean="0">
                 <a:solidFill>
                   <a:schemeClr val="tx1">
                     <a:lumMod val="50000"/>
@@ -26778,7 +26860,7 @@
                 </a:solidFill>
                 <a:cs typeface="Arial" panose="020B0604020202020204" pitchFamily="34" charset="0"/>
               </a:rPr>
-              <a:t>Node </a:t>
+              <a:t>Men </a:t>
             </a:r>
             <a:r>
               <a:rPr lang="ko-KR" altLang="en-US" sz="1300">

--- a/Ch10-재귀함수활용_Class.pptx
+++ b/Ch10-재귀함수활용_Class.pptx
@@ -278,7 +278,7 @@
             <a:fld id="{36C39FFA-0F1A-413B-9BFE-941741C2D487}" type="datetimeFigureOut">
               <a:rPr lang="ko-KR" altLang="en-US" smtClean="0"/>
               <a:pPr/>
-              <a:t>2023-05-30</a:t>
+              <a:t>2023-06-12</a:t>
             </a:fld>
             <a:endParaRPr lang="ko-KR" altLang="en-US"/>
           </a:p>
@@ -445,7 +445,7 @@
             <a:fld id="{1F54C1B5-EB92-45E6-AFCD-6AAB73579DF8}" type="datetimeFigureOut">
               <a:rPr lang="ko-KR" altLang="en-US" smtClean="0"/>
               <a:pPr/>
-              <a:t>2023-05-30</a:t>
+              <a:t>2023-06-12</a:t>
             </a:fld>
             <a:endParaRPr lang="ko-KR" altLang="en-US"/>
           </a:p>
@@ -4408,7 +4408,7 @@
               <a:pPr>
                 <a:defRPr/>
               </a:pPr>
-              <a:t>2023-05-30</a:t>
+              <a:t>2023-06-12</a:t>
             </a:fld>
             <a:endParaRPr lang="ko-KR" altLang="en-US"/>
           </a:p>
@@ -6457,7 +6457,55 @@
                 </a:solidFill>
                 <a:cs typeface="Arial" panose="020B0604020202020204" pitchFamily="34" charset="0"/>
               </a:rPr>
-              <a:t>value):</a:t>
+              <a:t>value):   </a:t>
+            </a:r>
+            <a:r>
+              <a:rPr lang="en-US" altLang="ko-KR" sz="1300" smtClean="0">
+                <a:solidFill>
+                  <a:schemeClr val="tx1">
+                    <a:lumMod val="50000"/>
+                    <a:lumOff val="50000"/>
+                  </a:schemeClr>
+                </a:solidFill>
+                <a:cs typeface="Arial" panose="020B0604020202020204" pitchFamily="34" charset="0"/>
+              </a:rPr>
+              <a:t>#</a:t>
+            </a:r>
+            <a:r>
+              <a:rPr lang="ko-KR" altLang="en-US" sz="1300" smtClean="0">
+                <a:solidFill>
+                  <a:schemeClr val="tx1">
+                    <a:lumMod val="50000"/>
+                    <a:lumOff val="50000"/>
+                  </a:schemeClr>
+                </a:solidFill>
+                <a:cs typeface="Arial" panose="020B0604020202020204" pitchFamily="34" charset="0"/>
+              </a:rPr>
+              <a:t>생성자 함수</a:t>
+            </a:r>
+            <a:r>
+              <a:rPr lang="en-US" altLang="ko-KR" sz="1300" smtClean="0">
+                <a:solidFill>
+                  <a:schemeClr val="tx1">
+                    <a:lumMod val="50000"/>
+                    <a:lumOff val="50000"/>
+                  </a:schemeClr>
+                </a:solidFill>
+                <a:cs typeface="Arial" panose="020B0604020202020204" pitchFamily="34" charset="0"/>
+              </a:rPr>
+              <a:t>: Node </a:t>
+            </a:r>
+            <a:r>
+              <a:rPr lang="ko-KR" altLang="en-US" sz="1300" smtClean="0">
+                <a:solidFill>
+                  <a:schemeClr val="tx1">
+                    <a:lumMod val="50000"/>
+                    <a:lumOff val="50000"/>
+                  </a:schemeClr>
+                </a:solidFill>
+                <a:cs typeface="Arial" panose="020B0604020202020204" pitchFamily="34" charset="0"/>
+              </a:rPr>
+              <a:t>객체 생성용</a:t>
             </a:r>
             <a:endParaRPr lang="en-US" altLang="ko-KR" sz="1300">
               <a:solidFill>
@@ -7086,18 +7134,29 @@
                   </a:schemeClr>
                 </a:solidFill>
               </a:rPr>
-              <a:t>진 트리 객체 </a:t>
-            </a:r>
-            <a:r>
-              <a:rPr lang="en-US" altLang="ko-KR" sz="1300">
-                <a:solidFill>
-                  <a:schemeClr val="tx1">
-                    <a:lumMod val="50000"/>
-                    <a:lumOff val="50000"/>
-                  </a:schemeClr>
-                </a:solidFill>
-              </a:rPr>
-              <a:t>root </a:t>
+              <a:t>진 트리 </a:t>
+            </a:r>
+            <a:r>
+              <a:rPr lang="ko-KR" altLang="en-US" sz="1300" smtClean="0">
+                <a:solidFill>
+                  <a:schemeClr val="tx1">
+                    <a:lumMod val="50000"/>
+                    <a:lumOff val="50000"/>
+                  </a:schemeClr>
+                </a:solidFill>
+              </a:rPr>
+              <a:t>객체를</a:t>
+            </a:r>
+            <a:r>
+              <a:rPr lang="en-US" altLang="ko-KR" sz="1300" smtClean="0">
+                <a:solidFill>
+                  <a:schemeClr val="tx1">
+                    <a:lumMod val="50000"/>
+                    <a:lumOff val="50000"/>
+                  </a:schemeClr>
+                </a:solidFill>
+              </a:rPr>
+              <a:t> </a:t>
             </a:r>
             <a:r>
               <a:rPr lang="ko-KR" altLang="en-US" sz="1300">
@@ -8083,7 +8142,7 @@
                 </a:solidFill>
                 <a:cs typeface="Arial" panose="020B0604020202020204" pitchFamily="34" charset="0"/>
               </a:rPr>
-              <a:t>def </a:t>
+              <a:t>    def </a:t>
             </a:r>
             <a:r>
               <a:rPr lang="en-US" altLang="ko-KR" sz="1200">
@@ -8106,6 +8165,15 @@
             </a:pPr>
             <a:r>
               <a:rPr lang="en-US" altLang="ko-KR" sz="1200">
+                <a:solidFill>
+                  <a:schemeClr val="tx1"/>
+                </a:solidFill>
+                <a:cs typeface="Arial" panose="020B0604020202020204" pitchFamily="34" charset="0"/>
+              </a:rPr>
+              <a:t>    </a:t>
+            </a:r>
+            <a:r>
+              <a:rPr lang="en-US" altLang="ko-KR" sz="1200" smtClean="0">
                 <a:solidFill>
                   <a:schemeClr val="tx1"/>
                 </a:solidFill>
@@ -8163,6 +8231,15 @@
                 </a:solidFill>
                 <a:cs typeface="Arial" panose="020B0604020202020204" pitchFamily="34" charset="0"/>
               </a:rPr>
+              <a:t>    </a:t>
+            </a:r>
+            <a:r>
+              <a:rPr lang="en-US" altLang="ko-KR" sz="1200" smtClean="0">
+                <a:solidFill>
+                  <a:schemeClr val="tx1"/>
+                </a:solidFill>
+                <a:cs typeface="Arial" panose="020B0604020202020204" pitchFamily="34" charset="0"/>
+              </a:rPr>
               <a:t>    return </a:t>
             </a:r>
             <a:r>
@@ -8259,18 +8336,29 @@
                   </a:schemeClr>
                 </a:solidFill>
               </a:rPr>
-              <a:t>진 트리 객체 </a:t>
-            </a:r>
-            <a:r>
-              <a:rPr lang="en-US" altLang="ko-KR" sz="1200">
-                <a:solidFill>
-                  <a:schemeClr val="tx1">
-                    <a:lumMod val="50000"/>
-                    <a:lumOff val="50000"/>
-                  </a:schemeClr>
-                </a:solidFill>
-              </a:rPr>
-              <a:t>root </a:t>
+              <a:t>진 트리 </a:t>
+            </a:r>
+            <a:r>
+              <a:rPr lang="ko-KR" altLang="en-US" sz="1200" smtClean="0">
+                <a:solidFill>
+                  <a:schemeClr val="tx1">
+                    <a:lumMod val="50000"/>
+                    <a:lumOff val="50000"/>
+                  </a:schemeClr>
+                </a:solidFill>
+              </a:rPr>
+              <a:t>객체를</a:t>
+            </a:r>
+            <a:r>
+              <a:rPr lang="en-US" altLang="ko-KR" sz="1200" smtClean="0">
+                <a:solidFill>
+                  <a:schemeClr val="tx1">
+                    <a:lumMod val="50000"/>
+                    <a:lumOff val="50000"/>
+                  </a:schemeClr>
+                </a:solidFill>
+              </a:rPr>
+              <a:t> </a:t>
             </a:r>
             <a:r>
               <a:rPr lang="ko-KR" altLang="en-US" sz="1200">
@@ -9083,7 +9171,7 @@
                 </a:solidFill>
                 <a:cs typeface="Arial" panose="020B0604020202020204" pitchFamily="34" charset="0"/>
               </a:rPr>
-              <a:t>def </a:t>
+              <a:t>    def </a:t>
             </a:r>
             <a:r>
               <a:rPr lang="en-US" altLang="ko-KR" sz="1200">
@@ -9108,7 +9196,25 @@
                 </a:solidFill>
                 <a:cs typeface="Arial" panose="020B0604020202020204" pitchFamily="34" charset="0"/>
               </a:rPr>
-              <a:t>     if self.left is None:</a:t>
+              <a:t>     </a:t>
+            </a:r>
+            <a:r>
+              <a:rPr lang="en-US" altLang="ko-KR" sz="1200" smtClean="0">
+                <a:solidFill>
+                  <a:schemeClr val="tx1"/>
+                </a:solidFill>
+                <a:cs typeface="Arial" panose="020B0604020202020204" pitchFamily="34" charset="0"/>
+              </a:rPr>
+              <a:t>    if </a:t>
+            </a:r>
+            <a:r>
+              <a:rPr lang="en-US" altLang="ko-KR" sz="1200">
+                <a:solidFill>
+                  <a:schemeClr val="tx1"/>
+                </a:solidFill>
+                <a:cs typeface="Arial" panose="020B0604020202020204" pitchFamily="34" charset="0"/>
+              </a:rPr>
+              <a:t>self.left is None:</a:t>
             </a:r>
           </a:p>
           <a:p>
@@ -9140,6 +9246,106 @@
                 </a:solidFill>
                 <a:cs typeface="Arial" panose="020B0604020202020204" pitchFamily="34" charset="0"/>
               </a:rPr>
+              <a:t>        </a:t>
+            </a:r>
+            <a:r>
+              <a:rPr lang="en-US" altLang="ko-KR" sz="1200" smtClean="0">
+                <a:solidFill>
+                  <a:schemeClr val="tx1"/>
+                </a:solidFill>
+                <a:cs typeface="Arial" panose="020B0604020202020204" pitchFamily="34" charset="0"/>
+              </a:rPr>
+              <a:t> else</a:t>
+            </a:r>
+            <a:r>
+              <a:rPr lang="en-US" altLang="ko-KR" sz="1200">
+                <a:solidFill>
+                  <a:schemeClr val="tx1"/>
+                </a:solidFill>
+                <a:cs typeface="Arial" panose="020B0604020202020204" pitchFamily="34" charset="0"/>
+              </a:rPr>
+              <a:t>:</a:t>
+            </a:r>
+          </a:p>
+          <a:p>
+            <a:pPr>
+              <a:buClr>
+                <a:srgbClr val="3C479D"/>
+              </a:buClr>
+            </a:pPr>
+            <a:r>
+              <a:rPr lang="en-US" altLang="ko-KR" sz="1200">
+                <a:solidFill>
+                  <a:schemeClr val="tx1"/>
+                </a:solidFill>
+                <a:cs typeface="Arial" panose="020B0604020202020204" pitchFamily="34" charset="0"/>
+              </a:rPr>
+              <a:t>            left = self.left.value</a:t>
+            </a:r>
+          </a:p>
+          <a:p>
+            <a:pPr>
+              <a:buClr>
+                <a:srgbClr val="3C479D"/>
+              </a:buClr>
+            </a:pPr>
+            <a:r>
+              <a:rPr lang="en-US" altLang="ko-KR" sz="1200">
+                <a:solidFill>
+                  <a:schemeClr val="tx1"/>
+                </a:solidFill>
+                <a:cs typeface="Arial" panose="020B0604020202020204" pitchFamily="34" charset="0"/>
+              </a:rPr>
+              <a:t>      </a:t>
+            </a:r>
+            <a:r>
+              <a:rPr lang="en-US" altLang="ko-KR" sz="1200" smtClean="0">
+                <a:solidFill>
+                  <a:schemeClr val="tx1"/>
+                </a:solidFill>
+                <a:cs typeface="Arial" panose="020B0604020202020204" pitchFamily="34" charset="0"/>
+              </a:rPr>
+              <a:t>   </a:t>
+            </a:r>
+            <a:r>
+              <a:rPr lang="en-US" altLang="ko-KR" sz="1200">
+                <a:solidFill>
+                  <a:schemeClr val="tx1"/>
+                </a:solidFill>
+                <a:cs typeface="Arial" panose="020B0604020202020204" pitchFamily="34" charset="0"/>
+              </a:rPr>
+              <a:t>if self.right is None:</a:t>
+            </a:r>
+          </a:p>
+          <a:p>
+            <a:pPr>
+              <a:buClr>
+                <a:srgbClr val="3C479D"/>
+              </a:buClr>
+            </a:pPr>
+            <a:r>
+              <a:rPr lang="en-US" altLang="ko-KR" sz="1200">
+                <a:solidFill>
+                  <a:schemeClr val="tx1"/>
+                </a:solidFill>
+                <a:cs typeface="Arial" panose="020B0604020202020204" pitchFamily="34" charset="0"/>
+              </a:rPr>
+              <a:t>            right = None</a:t>
+            </a:r>
+          </a:p>
+          <a:p>
+            <a:pPr>
+              <a:buClr>
+                <a:srgbClr val="3C479D"/>
+              </a:buClr>
+            </a:pPr>
+            <a:r>
+              <a:rPr lang="en-US" altLang="ko-KR" sz="1200">
+                <a:solidFill>
+                  <a:schemeClr val="tx1"/>
+                </a:solidFill>
+                <a:cs typeface="Arial" panose="020B0604020202020204" pitchFamily="34" charset="0"/>
+              </a:rPr>
               <a:t>        else:</a:t>
             </a:r>
           </a:p>
@@ -9156,7 +9362,7 @@
                 </a:solidFill>
                 <a:cs typeface="Arial" panose="020B0604020202020204" pitchFamily="34" charset="0"/>
               </a:rPr>
-              <a:t>            left = self.left.value</a:t>
+              <a:t>            right = self.right.value</a:t>
             </a:r>
           </a:p>
           <a:p>
@@ -9166,95 +9372,49 @@
               </a:buClr>
             </a:pPr>
             <a:r>
+              <a:rPr lang="en-US" altLang="ko-KR" sz="1200" smtClean="0">
+                <a:solidFill>
+                  <a:schemeClr val="tx1"/>
+                </a:solidFill>
+                <a:cs typeface="Arial" panose="020B0604020202020204" pitchFamily="34" charset="0"/>
+              </a:rPr>
+              <a:t>   </a:t>
+            </a:r>
+            <a:r>
+              <a:rPr lang="en-US" altLang="ko-KR" sz="1200" smtClean="0">
+                <a:solidFill>
+                  <a:schemeClr val="tx1"/>
+                </a:solidFill>
+                <a:cs typeface="Arial" panose="020B0604020202020204" pitchFamily="34" charset="0"/>
+              </a:rPr>
+              <a:t>     </a:t>
+            </a:r>
+            <a:r>
+              <a:rPr lang="en-US" altLang="ko-KR" sz="1200" smtClean="0">
+                <a:solidFill>
+                  <a:schemeClr val="tx1"/>
+                </a:solidFill>
+                <a:cs typeface="Arial" panose="020B0604020202020204" pitchFamily="34" charset="0"/>
+              </a:rPr>
+              <a:t>return (self.value</a:t>
+            </a:r>
+            <a:r>
               <a:rPr lang="en-US" altLang="ko-KR" sz="1200">
                 <a:solidFill>
                   <a:schemeClr val="tx1"/>
                 </a:solidFill>
                 <a:cs typeface="Arial" panose="020B0604020202020204" pitchFamily="34" charset="0"/>
               </a:rPr>
-              <a:t>        if self.right is None:</a:t>
-            </a:r>
-          </a:p>
-          <a:p>
-            <a:pPr>
-              <a:buClr>
-                <a:srgbClr val="3C479D"/>
-              </a:buClr>
-            </a:pPr>
-            <a:r>
-              <a:rPr lang="en-US" altLang="ko-KR" sz="1200">
+              <a:t>, left, </a:t>
+            </a:r>
+            <a:r>
+              <a:rPr lang="en-US" altLang="ko-KR" sz="1200" smtClean="0">
                 <a:solidFill>
                   <a:schemeClr val="tx1"/>
                 </a:solidFill>
                 <a:cs typeface="Arial" panose="020B0604020202020204" pitchFamily="34" charset="0"/>
               </a:rPr>
-              <a:t>            right = None</a:t>
-            </a:r>
-          </a:p>
-          <a:p>
-            <a:pPr>
-              <a:buClr>
-                <a:srgbClr val="3C479D"/>
-              </a:buClr>
-            </a:pPr>
-            <a:r>
-              <a:rPr lang="en-US" altLang="ko-KR" sz="1200">
-                <a:solidFill>
-                  <a:schemeClr val="tx1"/>
-                </a:solidFill>
-                <a:cs typeface="Arial" panose="020B0604020202020204" pitchFamily="34" charset="0"/>
-              </a:rPr>
-              <a:t>        else:</a:t>
-            </a:r>
-          </a:p>
-          <a:p>
-            <a:pPr>
-              <a:buClr>
-                <a:srgbClr val="3C479D"/>
-              </a:buClr>
-            </a:pPr>
-            <a:r>
-              <a:rPr lang="en-US" altLang="ko-KR" sz="1200">
-                <a:solidFill>
-                  <a:schemeClr val="tx1"/>
-                </a:solidFill>
-                <a:cs typeface="Arial" panose="020B0604020202020204" pitchFamily="34" charset="0"/>
-              </a:rPr>
-              <a:t>            right = self.right.value</a:t>
-            </a:r>
-          </a:p>
-          <a:p>
-            <a:pPr>
-              <a:buClr>
-                <a:srgbClr val="3C479D"/>
-              </a:buClr>
-            </a:pPr>
-            <a:r>
-              <a:rPr lang="en-US" altLang="ko-KR" sz="1200" smtClean="0">
-                <a:solidFill>
-                  <a:schemeClr val="tx1"/>
-                </a:solidFill>
-                <a:cs typeface="Arial" panose="020B0604020202020204" pitchFamily="34" charset="0"/>
-              </a:rPr>
-              <a:t>    return </a:t>
-            </a:r>
-            <a:r>
-              <a:rPr lang="en-US" altLang="ko-KR" sz="1200">
-                <a:solidFill>
-                  <a:schemeClr val="tx1"/>
-                </a:solidFill>
-                <a:cs typeface="Arial" panose="020B0604020202020204" pitchFamily="34" charset="0"/>
-              </a:rPr>
-              <a:t>self.value, left, </a:t>
-            </a:r>
-            <a:r>
-              <a:rPr lang="en-US" altLang="ko-KR" sz="1200" smtClean="0">
-                <a:solidFill>
-                  <a:schemeClr val="tx1"/>
-                </a:solidFill>
-                <a:cs typeface="Arial" panose="020B0604020202020204" pitchFamily="34" charset="0"/>
-              </a:rPr>
-              <a:t>right</a:t>
+              <a:t>right)</a:t>
             </a:r>
           </a:p>
           <a:p>
@@ -10154,7 +10314,7 @@
                       </a:schemeClr>
                     </a:solidFill>
                   </a:rPr>
-                  <a:t>+</a:t>
+                  <a:t>*</a:t>
                 </a:r>
                 <a:endParaRPr lang="ko-KR" altLang="en-US" sz="1400">
                   <a:solidFill>
@@ -11140,7 +11300,16 @@
                 </a:solidFill>
                 <a:cs typeface="Arial" panose="020B0604020202020204" pitchFamily="34" charset="0"/>
               </a:rPr>
-              <a:t>  </a:t>
+              <a:t> </a:t>
+            </a:r>
+            <a:r>
+              <a:rPr lang="en-US" altLang="ko-KR" sz="1200" smtClean="0">
+                <a:solidFill>
+                  <a:schemeClr val="tx1"/>
+                </a:solidFill>
+                <a:cs typeface="Arial" panose="020B0604020202020204" pitchFamily="34" charset="0"/>
+              </a:rPr>
+              <a:t>   </a:t>
             </a:r>
             <a:r>
               <a:rPr lang="en-US" altLang="ko-KR" sz="1200">
@@ -11189,7 +11358,16 @@
                 </a:solidFill>
                 <a:cs typeface="Arial" panose="020B0604020202020204" pitchFamily="34" charset="0"/>
               </a:rPr>
-              <a:t>print(node.value, end=' ')  </a:t>
+              <a:t>print(node.value, end=' ') </a:t>
+            </a:r>
+            <a:r>
+              <a:rPr lang="en-US" altLang="ko-KR" sz="1200" smtClean="0">
+                <a:solidFill>
+                  <a:schemeClr val="tx1"/>
+                </a:solidFill>
+                <a:cs typeface="Arial" panose="020B0604020202020204" pitchFamily="34" charset="0"/>
+              </a:rPr>
+              <a:t>     </a:t>
             </a:r>
             <a:r>
               <a:rPr lang="en-US" altLang="ko-KR" sz="1200">
@@ -12441,7 +12619,7 @@
                       </a:schemeClr>
                     </a:solidFill>
                   </a:rPr>
-                  <a:t>+</a:t>
+                  <a:t>*</a:t>
                 </a:r>
                 <a:endParaRPr lang="ko-KR" altLang="en-US" sz="1400">
                   <a:solidFill>
@@ -13082,12 +13260,27 @@
                 </a:solidFill>
                 <a:cs typeface="Arial" panose="020B0604020202020204" pitchFamily="34" charset="0"/>
               </a:rPr>
-              <a:t>operators = {'+': 1, '-': 1, '*': 2, '/': 2}  #</a:t>
+              <a:t>operators = {'+': 1, '-': 1, '*': 2, '/': 2}  </a:t>
+            </a:r>
+            <a:r>
+              <a:rPr lang="en-US" altLang="ko-KR" sz="1200">
+                <a:solidFill>
+                  <a:schemeClr val="tx1">
+                    <a:lumMod val="50000"/>
+                    <a:lumOff val="50000"/>
+                  </a:schemeClr>
+                </a:solidFill>
+                <a:cs typeface="Arial" panose="020B0604020202020204" pitchFamily="34" charset="0"/>
+              </a:rPr>
+              <a:t>#</a:t>
             </a:r>
             <a:r>
               <a:rPr lang="ko-KR" altLang="en-US" sz="1200">
                 <a:solidFill>
-                  <a:schemeClr val="tx1"/>
+                  <a:schemeClr val="tx1">
+                    <a:lumMod val="50000"/>
+                    <a:lumOff val="50000"/>
+                  </a:schemeClr>
                 </a:solidFill>
                 <a:cs typeface="Arial" panose="020B0604020202020204" pitchFamily="34" charset="0"/>
               </a:rPr>
@@ -13161,16 +13354,71 @@
                 </a:solidFill>
                 <a:cs typeface="Arial" panose="020B0604020202020204" pitchFamily="34" charset="0"/>
               </a:rPr>
-              <a:t>    #</a:t>
+              <a:t>    </a:t>
+            </a:r>
+            <a:r>
+              <a:rPr lang="en-US" altLang="ko-KR" sz="1200">
+                <a:solidFill>
+                  <a:schemeClr val="tx1">
+                    <a:lumMod val="50000"/>
+                    <a:lumOff val="50000"/>
+                  </a:schemeClr>
+                </a:solidFill>
+                <a:cs typeface="Arial" panose="020B0604020202020204" pitchFamily="34" charset="0"/>
+              </a:rPr>
+              <a:t>#</a:t>
             </a:r>
             <a:r>
               <a:rPr lang="ko-KR" altLang="en-US" sz="1200">
                 <a:solidFill>
+                  <a:schemeClr val="tx1">
+                    <a:lumMod val="50000"/>
+                    <a:lumOff val="50000"/>
+                  </a:schemeClr>
+                </a:solidFill>
+                <a:cs typeface="Arial" panose="020B0604020202020204" pitchFamily="34" charset="0"/>
+              </a:rPr>
+              <a:t>우선순위가 가장 빠른 연산자의 </a:t>
+            </a:r>
+            <a:r>
+              <a:rPr lang="en-US" altLang="ko-KR" sz="1200">
+                <a:solidFill>
+                  <a:schemeClr val="tx1">
+                    <a:lumMod val="50000"/>
+                    <a:lumOff val="50000"/>
+                  </a:schemeClr>
+                </a:solidFill>
+                <a:cs typeface="Arial" panose="020B0604020202020204" pitchFamily="34" charset="0"/>
+              </a:rPr>
+              <a:t>index</a:t>
+            </a:r>
+            <a:r>
+              <a:rPr lang="ko-KR" altLang="en-US" sz="1200">
+                <a:solidFill>
+                  <a:schemeClr val="tx1">
+                    <a:lumMod val="50000"/>
+                    <a:lumOff val="50000"/>
+                  </a:schemeClr>
+                </a:solidFill>
+                <a:cs typeface="Arial" panose="020B0604020202020204" pitchFamily="34" charset="0"/>
+              </a:rPr>
+              <a:t>를 찾음</a:t>
+            </a:r>
+          </a:p>
+          <a:p>
+            <a:pPr>
+              <a:buClr>
+                <a:srgbClr val="3C479D"/>
+              </a:buClr>
+            </a:pPr>
+            <a:r>
+              <a:rPr lang="ko-KR" altLang="en-US" sz="1200">
+                <a:solidFill>
                   <a:schemeClr val="tx1"/>
                 </a:solidFill>
                 <a:cs typeface="Arial" panose="020B0604020202020204" pitchFamily="34" charset="0"/>
               </a:rPr>
-              <a:t>우선순위가 가장 빠른 연산자의 </a:t>
+              <a:t>    </a:t>
             </a:r>
             <a:r>
               <a:rPr lang="en-US" altLang="ko-KR" sz="1200">
@@ -13179,16 +13427,135 @@
                 </a:solidFill>
                 <a:cs typeface="Arial" panose="020B0604020202020204" pitchFamily="34" charset="0"/>
               </a:rPr>
+              <a:t>operator_index = -1    </a:t>
+            </a:r>
+            <a:r>
+              <a:rPr lang="en-US" altLang="ko-KR" sz="1200">
+                <a:solidFill>
+                  <a:schemeClr val="tx1">
+                    <a:lumMod val="50000"/>
+                    <a:lumOff val="50000"/>
+                  </a:schemeClr>
+                </a:solidFill>
+                <a:cs typeface="Arial" panose="020B0604020202020204" pitchFamily="34" charset="0"/>
+              </a:rPr>
+              <a:t>#</a:t>
+            </a:r>
+            <a:r>
+              <a:rPr lang="ko-KR" altLang="en-US" sz="1200">
+                <a:solidFill>
+                  <a:schemeClr val="tx1">
+                    <a:lumMod val="50000"/>
+                    <a:lumOff val="50000"/>
+                  </a:schemeClr>
+                </a:solidFill>
+                <a:cs typeface="Arial" panose="020B0604020202020204" pitchFamily="34" charset="0"/>
+              </a:rPr>
+              <a:t>선택된 연산자 </a:t>
+            </a:r>
+            <a:r>
+              <a:rPr lang="en-US" altLang="ko-KR" sz="1200">
+                <a:solidFill>
+                  <a:schemeClr val="tx1">
+                    <a:lumMod val="50000"/>
+                    <a:lumOff val="50000"/>
+                  </a:schemeClr>
+                </a:solidFill>
+                <a:cs typeface="Arial" panose="020B0604020202020204" pitchFamily="34" charset="0"/>
+              </a:rPr>
               <a:t>index</a:t>
             </a:r>
+          </a:p>
+          <a:p>
+            <a:pPr>
+              <a:buClr>
+                <a:srgbClr val="3C479D"/>
+              </a:buClr>
+            </a:pPr>
+            <a:r>
+              <a:rPr lang="en-US" altLang="ko-KR" sz="1200">
+                <a:solidFill>
+                  <a:schemeClr val="tx1"/>
+                </a:solidFill>
+                <a:cs typeface="Arial" panose="020B0604020202020204" pitchFamily="34" charset="0"/>
+              </a:rPr>
+              <a:t>    max_precedence = -1    </a:t>
+            </a:r>
+            <a:r>
+              <a:rPr lang="en-US" altLang="ko-KR" sz="1200">
+                <a:solidFill>
+                  <a:schemeClr val="tx1">
+                    <a:lumMod val="50000"/>
+                    <a:lumOff val="50000"/>
+                  </a:schemeClr>
+                </a:solidFill>
+                <a:cs typeface="Arial" panose="020B0604020202020204" pitchFamily="34" charset="0"/>
+              </a:rPr>
+              <a:t>#</a:t>
+            </a:r>
             <a:r>
               <a:rPr lang="ko-KR" altLang="en-US" sz="1200">
                 <a:solidFill>
+                  <a:schemeClr val="tx1">
+                    <a:lumMod val="50000"/>
+                    <a:lumOff val="50000"/>
+                  </a:schemeClr>
+                </a:solidFill>
+                <a:cs typeface="Arial" panose="020B0604020202020204" pitchFamily="34" charset="0"/>
+              </a:rPr>
+              <a:t>가장 빠른 연산 우선순위 </a:t>
+            </a:r>
+            <a:r>
+              <a:rPr lang="en-US" altLang="ko-KR" sz="1200">
+                <a:solidFill>
+                  <a:schemeClr val="tx1">
+                    <a:lumMod val="50000"/>
+                    <a:lumOff val="50000"/>
+                  </a:schemeClr>
+                </a:solidFill>
+                <a:cs typeface="Arial" panose="020B0604020202020204" pitchFamily="34" charset="0"/>
+              </a:rPr>
+              <a:t>index</a:t>
+            </a:r>
+          </a:p>
+          <a:p>
+            <a:pPr>
+              <a:buClr>
+                <a:srgbClr val="3C479D"/>
+              </a:buClr>
+            </a:pPr>
+            <a:r>
+              <a:rPr lang="en-US" altLang="ko-KR" sz="1200">
+                <a:solidFill>
                   <a:schemeClr val="tx1"/>
                 </a:solidFill>
                 <a:cs typeface="Arial" panose="020B0604020202020204" pitchFamily="34" charset="0"/>
               </a:rPr>
-              <a:t>를 찾음</a:t>
+              <a:t>    parentheses_count = 0  </a:t>
+            </a:r>
+            <a:r>
+              <a:rPr lang="en-US" altLang="ko-KR" sz="1200">
+                <a:solidFill>
+                  <a:schemeClr val="tx1">
+                    <a:lumMod val="50000"/>
+                    <a:lumOff val="50000"/>
+                  </a:schemeClr>
+                </a:solidFill>
+                <a:cs typeface="Arial" panose="020B0604020202020204" pitchFamily="34" charset="0"/>
+              </a:rPr>
+              <a:t>#()</a:t>
+            </a:r>
+            <a:r>
+              <a:rPr lang="ko-KR" altLang="en-US" sz="1200">
+                <a:solidFill>
+                  <a:schemeClr val="tx1">
+                    <a:lumMod val="50000"/>
+                    <a:lumOff val="50000"/>
+                  </a:schemeClr>
+                </a:solidFill>
+                <a:cs typeface="Arial" panose="020B0604020202020204" pitchFamily="34" charset="0"/>
+              </a:rPr>
+              <a:t>의 깊이</a:t>
             </a:r>
           </a:p>
           <a:p>
@@ -13206,6 +13573,22 @@
               </a:rPr>
               <a:t>    </a:t>
             </a:r>
+          </a:p>
+          <a:p>
+            <a:pPr>
+              <a:buClr>
+                <a:srgbClr val="3C479D"/>
+              </a:buClr>
+            </a:pPr>
+            <a:r>
+              <a:rPr lang="ko-KR" altLang="en-US" sz="1200">
+                <a:solidFill>
+                  <a:schemeClr val="tx1"/>
+                </a:solidFill>
+                <a:cs typeface="Arial" panose="020B0604020202020204" pitchFamily="34" charset="0"/>
+              </a:rPr>
+              <a:t>    </a:t>
+            </a:r>
             <a:r>
               <a:rPr lang="en-US" altLang="ko-KR" sz="1200">
                 <a:solidFill>
@@ -13213,244 +13596,147 @@
                 </a:solidFill>
                 <a:cs typeface="Arial" panose="020B0604020202020204" pitchFamily="34" charset="0"/>
               </a:rPr>
-              <a:t>operator_index = -1    #</a:t>
+              <a:t>for i in range(len(expression) - 1, -1, -1):</a:t>
+            </a:r>
+          </a:p>
+          <a:p>
+            <a:pPr>
+              <a:buClr>
+                <a:srgbClr val="3C479D"/>
+              </a:buClr>
+            </a:pPr>
+            <a:r>
+              <a:rPr lang="en-US" altLang="ko-KR" sz="1200">
+                <a:solidFill>
+                  <a:schemeClr val="tx1"/>
+                </a:solidFill>
+                <a:cs typeface="Arial" panose="020B0604020202020204" pitchFamily="34" charset="0"/>
+              </a:rPr>
+              <a:t>        char = expression[i]</a:t>
+            </a:r>
+          </a:p>
+          <a:p>
+            <a:pPr>
+              <a:buClr>
+                <a:srgbClr val="3C479D"/>
+              </a:buClr>
+            </a:pPr>
+            <a:r>
+              <a:rPr lang="en-US" altLang="ko-KR" sz="1200">
+                <a:solidFill>
+                  <a:schemeClr val="tx1"/>
+                </a:solidFill>
+                <a:cs typeface="Arial" panose="020B0604020202020204" pitchFamily="34" charset="0"/>
+              </a:rPr>
+              <a:t>        if char == ')':</a:t>
+            </a:r>
+          </a:p>
+          <a:p>
+            <a:pPr>
+              <a:buClr>
+                <a:srgbClr val="3C479D"/>
+              </a:buClr>
+            </a:pPr>
+            <a:r>
+              <a:rPr lang="en-US" altLang="ko-KR" sz="1200">
+                <a:solidFill>
+                  <a:schemeClr val="tx1"/>
+                </a:solidFill>
+                <a:cs typeface="Arial" panose="020B0604020202020204" pitchFamily="34" charset="0"/>
+              </a:rPr>
+              <a:t>            parentheses_count += 1</a:t>
+            </a:r>
+          </a:p>
+          <a:p>
+            <a:pPr>
+              <a:buClr>
+                <a:srgbClr val="3C479D"/>
+              </a:buClr>
+            </a:pPr>
+            <a:r>
+              <a:rPr lang="en-US" altLang="ko-KR" sz="1200">
+                <a:solidFill>
+                  <a:schemeClr val="tx1"/>
+                </a:solidFill>
+                <a:cs typeface="Arial" panose="020B0604020202020204" pitchFamily="34" charset="0"/>
+              </a:rPr>
+              <a:t>        elif char == '(':</a:t>
+            </a:r>
+          </a:p>
+          <a:p>
+            <a:pPr>
+              <a:buClr>
+                <a:srgbClr val="3C479D"/>
+              </a:buClr>
+            </a:pPr>
+            <a:r>
+              <a:rPr lang="en-US" altLang="ko-KR" sz="1200">
+                <a:solidFill>
+                  <a:schemeClr val="tx1"/>
+                </a:solidFill>
+                <a:cs typeface="Arial" panose="020B0604020202020204" pitchFamily="34" charset="0"/>
+              </a:rPr>
+              <a:t>            parentheses_count -= 1</a:t>
+            </a:r>
+          </a:p>
+          <a:p>
+            <a:pPr>
+              <a:buClr>
+                <a:srgbClr val="3C479D"/>
+              </a:buClr>
+            </a:pPr>
+            <a:r>
+              <a:rPr lang="en-US" altLang="ko-KR" sz="1200">
+                <a:solidFill>
+                  <a:schemeClr val="tx1"/>
+                </a:solidFill>
+                <a:cs typeface="Arial" panose="020B0604020202020204" pitchFamily="34" charset="0"/>
+              </a:rPr>
+              <a:t>        elif char in operators and parentheses_count == 0:  </a:t>
+            </a:r>
+            <a:r>
+              <a:rPr lang="en-US" altLang="ko-KR" sz="1200">
+                <a:solidFill>
+                  <a:schemeClr val="tx1">
+                    <a:lumMod val="50000"/>
+                    <a:lumOff val="50000"/>
+                  </a:schemeClr>
+                </a:solidFill>
+                <a:cs typeface="Arial" panose="020B0604020202020204" pitchFamily="34" charset="0"/>
+              </a:rPr>
+              <a:t>#operater</a:t>
             </a:r>
             <a:r>
               <a:rPr lang="ko-KR" altLang="en-US" sz="1200">
                 <a:solidFill>
-                  <a:schemeClr val="tx1"/>
-                </a:solidFill>
-                <a:cs typeface="Arial" panose="020B0604020202020204" pitchFamily="34" charset="0"/>
-              </a:rPr>
-              <a:t>선택된 연산자 </a:t>
+                  <a:schemeClr val="tx1">
+                    <a:lumMod val="50000"/>
+                    <a:lumOff val="50000"/>
+                  </a:schemeClr>
+                </a:solidFill>
+                <a:cs typeface="Arial" panose="020B0604020202020204" pitchFamily="34" charset="0"/>
+              </a:rPr>
+              <a:t>이고 </a:t>
             </a:r>
             <a:r>
               <a:rPr lang="en-US" altLang="ko-KR" sz="1200">
                 <a:solidFill>
-                  <a:schemeClr val="tx1"/>
-                </a:solidFill>
-                <a:cs typeface="Arial" panose="020B0604020202020204" pitchFamily="34" charset="0"/>
-              </a:rPr>
-              <a:t>index</a:t>
-            </a:r>
-          </a:p>
-          <a:p>
-            <a:pPr>
-              <a:buClr>
-                <a:srgbClr val="3C479D"/>
-              </a:buClr>
-            </a:pPr>
-            <a:r>
-              <a:rPr lang="en-US" altLang="ko-KR" sz="1200">
-                <a:solidFill>
-                  <a:schemeClr val="tx1"/>
-                </a:solidFill>
-                <a:cs typeface="Arial" panose="020B0604020202020204" pitchFamily="34" charset="0"/>
-              </a:rPr>
-              <a:t>    max_precedence = -1    #</a:t>
+                  <a:schemeClr val="tx1">
+                    <a:lumMod val="50000"/>
+                    <a:lumOff val="50000"/>
+                  </a:schemeClr>
+                </a:solidFill>
+                <a:cs typeface="Arial" panose="020B0604020202020204" pitchFamily="34" charset="0"/>
+              </a:rPr>
+              <a:t>()</a:t>
             </a:r>
             <a:r>
               <a:rPr lang="ko-KR" altLang="en-US" sz="1200">
                 <a:solidFill>
-                  <a:schemeClr val="tx1"/>
-                </a:solidFill>
-                <a:cs typeface="Arial" panose="020B0604020202020204" pitchFamily="34" charset="0"/>
-              </a:rPr>
-              <a:t>가장 빠른 연산 우선순위 </a:t>
-            </a:r>
-            <a:r>
-              <a:rPr lang="en-US" altLang="ko-KR" sz="1200">
-                <a:solidFill>
-                  <a:schemeClr val="tx1"/>
-                </a:solidFill>
-                <a:cs typeface="Arial" panose="020B0604020202020204" pitchFamily="34" charset="0"/>
-              </a:rPr>
-              <a:t>index</a:t>
-            </a:r>
-          </a:p>
-          <a:p>
-            <a:pPr>
-              <a:buClr>
-                <a:srgbClr val="3C479D"/>
-              </a:buClr>
-            </a:pPr>
-            <a:r>
-              <a:rPr lang="en-US" altLang="ko-KR" sz="1200">
-                <a:solidFill>
-                  <a:schemeClr val="tx1"/>
-                </a:solidFill>
-                <a:cs typeface="Arial" panose="020B0604020202020204" pitchFamily="34" charset="0"/>
-              </a:rPr>
-              <a:t>    parentheses_count = 0  #()</a:t>
-            </a:r>
-            <a:r>
-              <a:rPr lang="ko-KR" altLang="en-US" sz="1200">
-                <a:solidFill>
-                  <a:schemeClr val="tx1"/>
-                </a:solidFill>
-                <a:cs typeface="Arial" panose="020B0604020202020204" pitchFamily="34" charset="0"/>
-              </a:rPr>
-              <a:t>의 깊이</a:t>
-            </a:r>
-          </a:p>
-          <a:p>
-            <a:pPr>
-              <a:buClr>
-                <a:srgbClr val="3C479D"/>
-              </a:buClr>
-            </a:pPr>
-            <a:r>
-              <a:rPr lang="ko-KR" altLang="en-US" sz="1200">
-                <a:solidFill>
-                  <a:schemeClr val="tx1"/>
-                </a:solidFill>
-                <a:cs typeface="Arial" panose="020B0604020202020204" pitchFamily="34" charset="0"/>
-              </a:rPr>
-              <a:t>    </a:t>
-            </a:r>
-          </a:p>
-          <a:p>
-            <a:pPr>
-              <a:buClr>
-                <a:srgbClr val="3C479D"/>
-              </a:buClr>
-            </a:pPr>
-            <a:r>
-              <a:rPr lang="ko-KR" altLang="en-US" sz="1200">
-                <a:solidFill>
-                  <a:schemeClr val="tx1"/>
-                </a:solidFill>
-                <a:cs typeface="Arial" panose="020B0604020202020204" pitchFamily="34" charset="0"/>
-              </a:rPr>
-              <a:t>    </a:t>
-            </a:r>
-            <a:r>
-              <a:rPr lang="en-US" altLang="ko-KR" sz="1200">
-                <a:solidFill>
-                  <a:schemeClr val="tx1"/>
-                </a:solidFill>
-                <a:cs typeface="Arial" panose="020B0604020202020204" pitchFamily="34" charset="0"/>
-              </a:rPr>
-              <a:t>for i in range(len(expression) - 1, -1, -1):</a:t>
-            </a:r>
-          </a:p>
-          <a:p>
-            <a:pPr>
-              <a:buClr>
-                <a:srgbClr val="3C479D"/>
-              </a:buClr>
-            </a:pPr>
-            <a:r>
-              <a:rPr lang="en-US" altLang="ko-KR" sz="1200">
-                <a:solidFill>
-                  <a:schemeClr val="tx1"/>
-                </a:solidFill>
-                <a:cs typeface="Arial" panose="020B0604020202020204" pitchFamily="34" charset="0"/>
-              </a:rPr>
-              <a:t>        char = expression[i]</a:t>
-            </a:r>
-          </a:p>
-          <a:p>
-            <a:pPr>
-              <a:buClr>
-                <a:srgbClr val="3C479D"/>
-              </a:buClr>
-            </a:pPr>
-            <a:r>
-              <a:rPr lang="en-US" altLang="ko-KR" sz="1200">
-                <a:solidFill>
-                  <a:schemeClr val="tx1"/>
-                </a:solidFill>
-                <a:cs typeface="Arial" panose="020B0604020202020204" pitchFamily="34" charset="0"/>
-              </a:rPr>
-              <a:t>        if char == ')':</a:t>
-            </a:r>
-          </a:p>
-          <a:p>
-            <a:pPr>
-              <a:buClr>
-                <a:srgbClr val="3C479D"/>
-              </a:buClr>
-            </a:pPr>
-            <a:r>
-              <a:rPr lang="en-US" altLang="ko-KR" sz="1200">
-                <a:solidFill>
-                  <a:schemeClr val="tx1"/>
-                </a:solidFill>
-                <a:cs typeface="Arial" panose="020B0604020202020204" pitchFamily="34" charset="0"/>
-              </a:rPr>
-              <a:t>            parentheses_count += 1</a:t>
-            </a:r>
-          </a:p>
-          <a:p>
-            <a:pPr>
-              <a:buClr>
-                <a:srgbClr val="3C479D"/>
-              </a:buClr>
-            </a:pPr>
-            <a:r>
-              <a:rPr lang="en-US" altLang="ko-KR" sz="1200">
-                <a:solidFill>
-                  <a:schemeClr val="tx1"/>
-                </a:solidFill>
-                <a:cs typeface="Arial" panose="020B0604020202020204" pitchFamily="34" charset="0"/>
-              </a:rPr>
-              <a:t>        elif char == '(':</a:t>
-            </a:r>
-          </a:p>
-          <a:p>
-            <a:pPr>
-              <a:buClr>
-                <a:srgbClr val="3C479D"/>
-              </a:buClr>
-            </a:pPr>
-            <a:r>
-              <a:rPr lang="en-US" altLang="ko-KR" sz="1200">
-                <a:solidFill>
-                  <a:schemeClr val="tx1"/>
-                </a:solidFill>
-                <a:cs typeface="Arial" panose="020B0604020202020204" pitchFamily="34" charset="0"/>
-              </a:rPr>
-              <a:t>            parentheses_count -= 1</a:t>
-            </a:r>
-          </a:p>
-          <a:p>
-            <a:pPr>
-              <a:buClr>
-                <a:srgbClr val="3C479D"/>
-              </a:buClr>
-            </a:pPr>
-            <a:r>
-              <a:rPr lang="en-US" altLang="ko-KR" sz="1200">
-                <a:solidFill>
-                  <a:schemeClr val="tx1"/>
-                </a:solidFill>
-                <a:cs typeface="Arial" panose="020B0604020202020204" pitchFamily="34" charset="0"/>
-              </a:rPr>
-              <a:t>        elif char in operators and parentheses_count == 0:  #operater</a:t>
-            </a:r>
-            <a:r>
-              <a:rPr lang="ko-KR" altLang="en-US" sz="1200">
-                <a:solidFill>
-                  <a:schemeClr val="tx1"/>
-                </a:solidFill>
-                <a:cs typeface="Arial" panose="020B0604020202020204" pitchFamily="34" charset="0"/>
-              </a:rPr>
-              <a:t>이고 </a:t>
-            </a:r>
-            <a:r>
-              <a:rPr lang="en-US" altLang="ko-KR" sz="1200">
-                <a:solidFill>
-                  <a:schemeClr val="tx1"/>
-                </a:solidFill>
-                <a:cs typeface="Arial" panose="020B0604020202020204" pitchFamily="34" charset="0"/>
-              </a:rPr>
-              <a:t>()</a:t>
-            </a:r>
-            <a:r>
-              <a:rPr lang="ko-KR" altLang="en-US" sz="1200">
-                <a:solidFill>
-                  <a:schemeClr val="tx1"/>
+                  <a:schemeClr val="tx1">
+                    <a:lumMod val="50000"/>
+                    <a:lumOff val="50000"/>
+                  </a:schemeClr>
                 </a:solidFill>
                 <a:cs typeface="Arial" panose="020B0604020202020204" pitchFamily="34" charset="0"/>
               </a:rPr>
@@ -14118,7 +14404,7 @@
                       </a:schemeClr>
                     </a:solidFill>
                   </a:rPr>
-                  <a:t>+</a:t>
+                  <a:t>*</a:t>
                 </a:r>
                 <a:endParaRPr lang="ko-KR" altLang="en-US" sz="1400">
                   <a:solidFill>
@@ -14529,6 +14815,50 @@
           </a:p>
         </p:txBody>
       </p:sp>
+      <p:sp>
+        <p:nvSpPr>
+          <p:cNvPr id="3" name="직사각형 2"/>
+          <p:cNvSpPr/>
+          <p:nvPr/>
+        </p:nvSpPr>
+        <p:spPr>
+          <a:xfrm>
+            <a:off x="5883801" y="4842362"/>
+            <a:ext cx="2634376" cy="338554"/>
+          </a:xfrm>
+          <a:prstGeom prst="rect">
+            <a:avLst/>
+          </a:prstGeom>
+        </p:spPr>
+        <p:txBody>
+          <a:bodyPr wrap="none">
+            <a:spAutoFit/>
+          </a:bodyPr>
+          <a:lstStyle/>
+          <a:p>
+            <a:pPr>
+              <a:buClr>
+                <a:srgbClr val="3C479D"/>
+              </a:buClr>
+            </a:pPr>
+            <a:r>
+              <a:rPr lang="en-US" altLang="ko-KR" sz="1600">
+                <a:solidFill>
+                  <a:srgbClr val="008000"/>
+                </a:solidFill>
+                <a:cs typeface="Arial" panose="020B0604020202020204" pitchFamily="34" charset="0"/>
+              </a:rPr>
+              <a:t>expression = "3+((3*5)/3)"</a:t>
+            </a:r>
+            <a:endParaRPr lang="en-US" altLang="ko-KR" sz="1600">
+              <a:solidFill>
+                <a:srgbClr val="008000"/>
+              </a:solidFill>
+              <a:cs typeface="Arial" panose="020B0604020202020204" pitchFamily="34" charset="0"/>
+            </a:endParaRPr>
+          </a:p>
+        </p:txBody>
+      </p:sp>
     </p:spTree>
     <p:extLst>
       <p:ext uri="{BB962C8B-B14F-4D97-AF65-F5344CB8AC3E}">
@@ -15034,16 +15364,71 @@
                 </a:solidFill>
                 <a:cs typeface="Arial" panose="020B0604020202020204" pitchFamily="34" charset="0"/>
               </a:rPr>
-              <a:t>    #</a:t>
+              <a:t>    </a:t>
+            </a:r>
+            <a:r>
+              <a:rPr lang="en-US" altLang="ko-KR" sz="1200">
+                <a:solidFill>
+                  <a:schemeClr val="tx1">
+                    <a:lumMod val="50000"/>
+                    <a:lumOff val="50000"/>
+                  </a:schemeClr>
+                </a:solidFill>
+                <a:cs typeface="Arial" panose="020B0604020202020204" pitchFamily="34" charset="0"/>
+              </a:rPr>
+              <a:t>#</a:t>
             </a:r>
             <a:r>
               <a:rPr lang="ko-KR" altLang="en-US" sz="1200">
                 <a:solidFill>
+                  <a:schemeClr val="tx1">
+                    <a:lumMod val="50000"/>
+                    <a:lumOff val="50000"/>
+                  </a:schemeClr>
+                </a:solidFill>
+                <a:cs typeface="Arial" panose="020B0604020202020204" pitchFamily="34" charset="0"/>
+              </a:rPr>
+              <a:t>우선순위가 가장 빠른 연산자의 </a:t>
+            </a:r>
+            <a:r>
+              <a:rPr lang="en-US" altLang="ko-KR" sz="1200">
+                <a:solidFill>
+                  <a:schemeClr val="tx1">
+                    <a:lumMod val="50000"/>
+                    <a:lumOff val="50000"/>
+                  </a:schemeClr>
+                </a:solidFill>
+                <a:cs typeface="Arial" panose="020B0604020202020204" pitchFamily="34" charset="0"/>
+              </a:rPr>
+              <a:t>index</a:t>
+            </a:r>
+            <a:r>
+              <a:rPr lang="ko-KR" altLang="en-US" sz="1200">
+                <a:solidFill>
+                  <a:schemeClr val="tx1">
+                    <a:lumMod val="50000"/>
+                    <a:lumOff val="50000"/>
+                  </a:schemeClr>
+                </a:solidFill>
+                <a:cs typeface="Arial" panose="020B0604020202020204" pitchFamily="34" charset="0"/>
+              </a:rPr>
+              <a:t>를 찾음</a:t>
+            </a:r>
+          </a:p>
+          <a:p>
+            <a:pPr>
+              <a:buClr>
+                <a:srgbClr val="3C479D"/>
+              </a:buClr>
+            </a:pPr>
+            <a:r>
+              <a:rPr lang="ko-KR" altLang="en-US" sz="1200">
+                <a:solidFill>
                   <a:schemeClr val="tx1"/>
                 </a:solidFill>
                 <a:cs typeface="Arial" panose="020B0604020202020204" pitchFamily="34" charset="0"/>
               </a:rPr>
-              <a:t>우선순위가 가장 빠른 연산자의 </a:t>
+              <a:t>    </a:t>
             </a:r>
             <a:r>
               <a:rPr lang="en-US" altLang="ko-KR" sz="1200">
@@ -15052,16 +15437,81 @@
                 </a:solidFill>
                 <a:cs typeface="Arial" panose="020B0604020202020204" pitchFamily="34" charset="0"/>
               </a:rPr>
-              <a:t>index</a:t>
+              <a:t>operator_index = </a:t>
+            </a:r>
+            <a:r>
+              <a:rPr lang="en-US" altLang="ko-KR" sz="1200">
+                <a:solidFill>
+                  <a:srgbClr val="C00000"/>
+                </a:solidFill>
+                <a:cs typeface="Arial" panose="020B0604020202020204" pitchFamily="34" charset="0"/>
+              </a:rPr>
+              <a:t>find_priority_operator(expression)</a:t>
+            </a:r>
+          </a:p>
+          <a:p>
+            <a:pPr>
+              <a:buClr>
+                <a:srgbClr val="3C479D"/>
+              </a:buClr>
+            </a:pPr>
+            <a:r>
+              <a:rPr lang="en-US" altLang="ko-KR" sz="1200">
+                <a:solidFill>
+                  <a:schemeClr val="tx1"/>
+                </a:solidFill>
+                <a:cs typeface="Arial" panose="020B0604020202020204" pitchFamily="34" charset="0"/>
+              </a:rPr>
+              <a:t>    if operator_index == -1: </a:t>
+            </a:r>
+            <a:r>
+              <a:rPr lang="en-US" altLang="ko-KR" sz="1200">
+                <a:solidFill>
+                  <a:schemeClr val="tx1">
+                    <a:lumMod val="50000"/>
+                    <a:lumOff val="50000"/>
+                  </a:schemeClr>
+                </a:solidFill>
+                <a:cs typeface="Arial" panose="020B0604020202020204" pitchFamily="34" charset="0"/>
+              </a:rPr>
+              <a:t># </a:t>
             </a:r>
             <a:r>
               <a:rPr lang="ko-KR" altLang="en-US" sz="1200">
                 <a:solidFill>
+                  <a:schemeClr val="tx1">
+                    <a:lumMod val="50000"/>
+                    <a:lumOff val="50000"/>
+                  </a:schemeClr>
+                </a:solidFill>
+                <a:cs typeface="Arial" panose="020B0604020202020204" pitchFamily="34" charset="0"/>
+              </a:rPr>
+              <a:t>연산자가 없으면 피연산자로 간주</a:t>
+            </a:r>
+          </a:p>
+          <a:p>
+            <a:pPr>
+              <a:buClr>
+                <a:srgbClr val="3C479D"/>
+              </a:buClr>
+            </a:pPr>
+            <a:r>
+              <a:rPr lang="ko-KR" altLang="en-US" sz="1200">
+                <a:solidFill>
                   <a:schemeClr val="tx1"/>
                 </a:solidFill>
                 <a:cs typeface="Arial" panose="020B0604020202020204" pitchFamily="34" charset="0"/>
               </a:rPr>
-              <a:t>를 찾음</a:t>
+              <a:t>        </a:t>
+            </a:r>
+            <a:r>
+              <a:rPr lang="en-US" altLang="ko-KR" sz="1200">
+                <a:solidFill>
+                  <a:schemeClr val="tx1"/>
+                </a:solidFill>
+                <a:cs typeface="Arial" panose="020B0604020202020204" pitchFamily="34" charset="0"/>
+              </a:rPr>
+              <a:t>node = Node(expression)</a:t>
             </a:r>
           </a:p>
           <a:p>
@@ -15071,14 +15521,73 @@
               </a:buClr>
             </a:pPr>
             <a:r>
+              <a:rPr lang="en-US" altLang="ko-KR" sz="1200">
+                <a:solidFill>
+                  <a:schemeClr val="tx1"/>
+                </a:solidFill>
+                <a:cs typeface="Arial" panose="020B0604020202020204" pitchFamily="34" charset="0"/>
+              </a:rPr>
+              <a:t>    else: </a:t>
+            </a:r>
+            <a:r>
+              <a:rPr lang="en-US" altLang="ko-KR" sz="1200">
+                <a:solidFill>
+                  <a:schemeClr val="tx1">
+                    <a:lumMod val="50000"/>
+                    <a:lumOff val="50000"/>
+                  </a:schemeClr>
+                </a:solidFill>
+                <a:cs typeface="Arial" panose="020B0604020202020204" pitchFamily="34" charset="0"/>
+              </a:rPr>
+              <a:t># </a:t>
+            </a:r>
+            <a:r>
               <a:rPr lang="ko-KR" altLang="en-US" sz="1200">
                 <a:solidFill>
+                  <a:schemeClr val="tx1">
+                    <a:lumMod val="50000"/>
+                    <a:lumOff val="50000"/>
+                  </a:schemeClr>
+                </a:solidFill>
+                <a:cs typeface="Arial" panose="020B0604020202020204" pitchFamily="34" charset="0"/>
+              </a:rPr>
+              <a:t>연산자를 기준으로 왼쪽과 오른쪽의 표현식을 나눕니다</a:t>
+            </a:r>
+            <a:r>
+              <a:rPr lang="en-US" altLang="ko-KR" sz="1200">
+                <a:solidFill>
+                  <a:schemeClr val="tx1">
+                    <a:lumMod val="50000"/>
+                    <a:lumOff val="50000"/>
+                  </a:schemeClr>
+                </a:solidFill>
+                <a:cs typeface="Arial" panose="020B0604020202020204" pitchFamily="34" charset="0"/>
+              </a:rPr>
+              <a:t>.</a:t>
+            </a:r>
+          </a:p>
+          <a:p>
+            <a:pPr>
+              <a:buClr>
+                <a:srgbClr val="3C479D"/>
+              </a:buClr>
+            </a:pPr>
+            <a:r>
+              <a:rPr lang="en-US" altLang="ko-KR" sz="1200">
+                <a:solidFill>
                   <a:schemeClr val="tx1"/>
                 </a:solidFill>
                 <a:cs typeface="Arial" panose="020B0604020202020204" pitchFamily="34" charset="0"/>
               </a:rPr>
-              <a:t>    </a:t>
-            </a:r>
+              <a:t>        operator = expression[operator_index]</a:t>
+            </a:r>
+          </a:p>
+          <a:p>
+            <a:pPr>
+              <a:buClr>
+                <a:srgbClr val="3C479D"/>
+              </a:buClr>
+            </a:pPr>
             <a:r>
               <a:rPr lang="en-US" altLang="ko-KR" sz="1200">
                 <a:solidFill>
@@ -15086,16 +15595,23 @@
                 </a:solidFill>
                 <a:cs typeface="Arial" panose="020B0604020202020204" pitchFamily="34" charset="0"/>
               </a:rPr>
-              <a:t>operator_index = </a:t>
-            </a:r>
+              <a:t>        left_expression = expression[:operator_index]</a:t>
+            </a:r>
+          </a:p>
+          <a:p>
+            <a:pPr>
+              <a:buClr>
+                <a:srgbClr val="3C479D"/>
+              </a:buClr>
+            </a:pPr>
             <a:r>
               <a:rPr lang="en-US" altLang="ko-KR" sz="1200">
                 <a:solidFill>
-                  <a:srgbClr val="C00000"/>
-                </a:solidFill>
-                <a:cs typeface="Arial" panose="020B0604020202020204" pitchFamily="34" charset="0"/>
-              </a:rPr>
-              <a:t>find_priority_operator(expression)</a:t>
+                  <a:schemeClr val="tx1"/>
+                </a:solidFill>
+                <a:cs typeface="Arial" panose="020B0604020202020204" pitchFamily="34" charset="0"/>
+              </a:rPr>
+              <a:t>        right_expression = expression[operator_index+1:]</a:t>
             </a:r>
           </a:p>
           <a:p>
@@ -15111,160 +15627,34 @@
                 </a:solidFill>
                 <a:cs typeface="Arial" panose="020B0604020202020204" pitchFamily="34" charset="0"/>
               </a:rPr>
-              <a:t>    if operator_index == -1: # </a:t>
+              <a:t>        </a:t>
+            </a:r>
+          </a:p>
+          <a:p>
+            <a:pPr>
+              <a:buClr>
+                <a:srgbClr val="3C479D"/>
+              </a:buClr>
+            </a:pPr>
+            <a:r>
+              <a:rPr lang="en-US" altLang="ko-KR" sz="1200">
+                <a:solidFill>
+                  <a:schemeClr val="tx1">
+                    <a:lumMod val="50000"/>
+                    <a:lumOff val="50000"/>
+                  </a:schemeClr>
+                </a:solidFill>
+                <a:cs typeface="Arial" panose="020B0604020202020204" pitchFamily="34" charset="0"/>
+              </a:rPr>
+              <a:t>        # </a:t>
             </a:r>
             <a:r>
               <a:rPr lang="ko-KR" altLang="en-US" sz="1200">
                 <a:solidFill>
-                  <a:schemeClr val="tx1"/>
-                </a:solidFill>
-                <a:cs typeface="Arial" panose="020B0604020202020204" pitchFamily="34" charset="0"/>
-              </a:rPr>
-              <a:t>연산자가 없으면 피연산자로 간주</a:t>
-            </a:r>
-          </a:p>
-          <a:p>
-            <a:pPr>
-              <a:buClr>
-                <a:srgbClr val="3C479D"/>
-              </a:buClr>
-            </a:pPr>
-            <a:r>
-              <a:rPr lang="ko-KR" altLang="en-US" sz="1200">
-                <a:solidFill>
-                  <a:schemeClr val="tx1"/>
-                </a:solidFill>
-                <a:cs typeface="Arial" panose="020B0604020202020204" pitchFamily="34" charset="0"/>
-              </a:rPr>
-              <a:t>        </a:t>
-            </a:r>
-            <a:r>
-              <a:rPr lang="en-US" altLang="ko-KR" sz="1200">
-                <a:solidFill>
-                  <a:schemeClr val="tx1"/>
-                </a:solidFill>
-                <a:cs typeface="Arial" panose="020B0604020202020204" pitchFamily="34" charset="0"/>
-              </a:rPr>
-              <a:t>node = Node(expression)</a:t>
-            </a:r>
-          </a:p>
-          <a:p>
-            <a:pPr>
-              <a:buClr>
-                <a:srgbClr val="3C479D"/>
-              </a:buClr>
-            </a:pPr>
-            <a:r>
-              <a:rPr lang="en-US" altLang="ko-KR" sz="1200">
-                <a:solidFill>
-                  <a:schemeClr val="tx1"/>
-                </a:solidFill>
-                <a:cs typeface="Arial" panose="020B0604020202020204" pitchFamily="34" charset="0"/>
-              </a:rPr>
-              <a:t>    else: # </a:t>
-            </a:r>
-            <a:r>
-              <a:rPr lang="ko-KR" altLang="en-US" sz="1200">
-                <a:solidFill>
-                  <a:schemeClr val="tx1"/>
-                </a:solidFill>
-                <a:cs typeface="Arial" panose="020B0604020202020204" pitchFamily="34" charset="0"/>
-              </a:rPr>
-              <a:t>연산자를 기준으로 왼쪽과 오른쪽의 표현식을 나눕니다</a:t>
-            </a:r>
-            <a:r>
-              <a:rPr lang="en-US" altLang="ko-KR" sz="1200">
-                <a:solidFill>
-                  <a:schemeClr val="tx1"/>
-                </a:solidFill>
-                <a:cs typeface="Arial" panose="020B0604020202020204" pitchFamily="34" charset="0"/>
-              </a:rPr>
-              <a:t>.</a:t>
-            </a:r>
-          </a:p>
-          <a:p>
-            <a:pPr>
-              <a:buClr>
-                <a:srgbClr val="3C479D"/>
-              </a:buClr>
-            </a:pPr>
-            <a:r>
-              <a:rPr lang="en-US" altLang="ko-KR" sz="1200">
-                <a:solidFill>
-                  <a:schemeClr val="tx1"/>
-                </a:solidFill>
-                <a:cs typeface="Arial" panose="020B0604020202020204" pitchFamily="34" charset="0"/>
-              </a:rPr>
-              <a:t>        operator = expression[operator_index]</a:t>
-            </a:r>
-          </a:p>
-          <a:p>
-            <a:pPr>
-              <a:buClr>
-                <a:srgbClr val="3C479D"/>
-              </a:buClr>
-            </a:pPr>
-            <a:r>
-              <a:rPr lang="en-US" altLang="ko-KR" sz="1200">
-                <a:solidFill>
-                  <a:schemeClr val="tx1"/>
-                </a:solidFill>
-                <a:cs typeface="Arial" panose="020B0604020202020204" pitchFamily="34" charset="0"/>
-              </a:rPr>
-              <a:t>        left_expression = expression[:operator_index]</a:t>
-            </a:r>
-          </a:p>
-          <a:p>
-            <a:pPr>
-              <a:buClr>
-                <a:srgbClr val="3C479D"/>
-              </a:buClr>
-            </a:pPr>
-            <a:r>
-              <a:rPr lang="en-US" altLang="ko-KR" sz="1200">
-                <a:solidFill>
-                  <a:schemeClr val="tx1"/>
-                </a:solidFill>
-                <a:cs typeface="Arial" panose="020B0604020202020204" pitchFamily="34" charset="0"/>
-              </a:rPr>
-              <a:t>        right_expression = expression[operator_index+1:]</a:t>
-            </a:r>
-          </a:p>
-          <a:p>
-            <a:pPr>
-              <a:buClr>
-                <a:srgbClr val="3C479D"/>
-              </a:buClr>
-            </a:pPr>
-            <a:r>
-              <a:rPr lang="en-US" altLang="ko-KR" sz="1200">
-                <a:solidFill>
-                  <a:schemeClr val="tx1"/>
-                </a:solidFill>
-                <a:cs typeface="Arial" panose="020B0604020202020204" pitchFamily="34" charset="0"/>
-              </a:rPr>
-              <a:t>        </a:t>
-            </a:r>
-          </a:p>
-          <a:p>
-            <a:pPr>
-              <a:buClr>
-                <a:srgbClr val="3C479D"/>
-              </a:buClr>
-            </a:pPr>
-            <a:r>
-              <a:rPr lang="en-US" altLang="ko-KR" sz="1200">
-                <a:solidFill>
-                  <a:schemeClr val="tx1"/>
-                </a:solidFill>
-                <a:cs typeface="Arial" panose="020B0604020202020204" pitchFamily="34" charset="0"/>
-              </a:rPr>
-              <a:t>        # </a:t>
-            </a:r>
-            <a:r>
-              <a:rPr lang="ko-KR" altLang="en-US" sz="1200">
-                <a:solidFill>
-                  <a:schemeClr val="tx1"/>
+                  <a:schemeClr val="tx1">
+                    <a:lumMod val="50000"/>
+                    <a:lumOff val="50000"/>
+                  </a:schemeClr>
                 </a:solidFill>
                 <a:cs typeface="Arial" panose="020B0604020202020204" pitchFamily="34" charset="0"/>
               </a:rPr>
@@ -15950,7 +16340,7 @@
                       </a:schemeClr>
                     </a:solidFill>
                   </a:rPr>
-                  <a:t>+</a:t>
+                  <a:t>*</a:t>
                 </a:r>
                 <a:endParaRPr lang="ko-KR" altLang="en-US" sz="1400">
                   <a:solidFill>
@@ -16361,6 +16751,50 @@
           </a:p>
         </p:txBody>
       </p:sp>
+      <p:sp>
+        <p:nvSpPr>
+          <p:cNvPr id="24" name="직사각형 23"/>
+          <p:cNvSpPr/>
+          <p:nvPr/>
+        </p:nvSpPr>
+        <p:spPr>
+          <a:xfrm>
+            <a:off x="5883801" y="4842362"/>
+            <a:ext cx="2634376" cy="338554"/>
+          </a:xfrm>
+          <a:prstGeom prst="rect">
+            <a:avLst/>
+          </a:prstGeom>
+        </p:spPr>
+        <p:txBody>
+          <a:bodyPr wrap="none">
+            <a:spAutoFit/>
+          </a:bodyPr>
+          <a:lstStyle/>
+          <a:p>
+            <a:pPr>
+              <a:buClr>
+                <a:srgbClr val="3C479D"/>
+              </a:buClr>
+            </a:pPr>
+            <a:r>
+              <a:rPr lang="en-US" altLang="ko-KR" sz="1600">
+                <a:solidFill>
+                  <a:srgbClr val="008000"/>
+                </a:solidFill>
+                <a:cs typeface="Arial" panose="020B0604020202020204" pitchFamily="34" charset="0"/>
+              </a:rPr>
+              <a:t>expression = "3+((3*5)/3)"</a:t>
+            </a:r>
+            <a:endParaRPr lang="en-US" altLang="ko-KR" sz="1600">
+              <a:solidFill>
+                <a:srgbClr val="008000"/>
+              </a:solidFill>
+              <a:cs typeface="Arial" panose="020B0604020202020204" pitchFamily="34" charset="0"/>
+            </a:endParaRPr>
+          </a:p>
+        </p:txBody>
+      </p:sp>
     </p:spTree>
     <p:extLst>
       <p:ext uri="{BB962C8B-B14F-4D97-AF65-F5344CB8AC3E}">
@@ -16899,9 +17333,9 @@
               </a:buClr>
             </a:pPr>
             <a:r>
-              <a:rPr lang="en-US" altLang="ko-KR" sz="1200">
-                <a:solidFill>
-                  <a:schemeClr val="tx1"/>
+              <a:rPr lang="en-US" altLang="ko-KR" sz="1400">
+                <a:solidFill>
+                  <a:srgbClr val="008000"/>
                 </a:solidFill>
                 <a:cs typeface="Arial" panose="020B0604020202020204" pitchFamily="34" charset="0"/>
               </a:rPr>
@@ -16993,15 +17427,86 @@
                 </a:solidFill>
                 <a:cs typeface="Arial" panose="020B0604020202020204" pitchFamily="34" charset="0"/>
               </a:rPr>
-              <a:t>in_order_traverse(root)   #left &gt; root &gt; right </a:t>
+              <a:t>in_order_traverse(root)   </a:t>
+            </a:r>
+            <a:r>
+              <a:rPr lang="en-US" altLang="ko-KR" sz="1200">
+                <a:solidFill>
+                  <a:schemeClr val="tx1">
+                    <a:lumMod val="50000"/>
+                    <a:lumOff val="50000"/>
+                  </a:schemeClr>
+                </a:solidFill>
+                <a:cs typeface="Arial" panose="020B0604020202020204" pitchFamily="34" charset="0"/>
+              </a:rPr>
+              <a:t>#left &gt; root &gt; right </a:t>
             </a:r>
             <a:r>
               <a:rPr lang="ko-KR" altLang="en-US" sz="1200">
                 <a:solidFill>
+                  <a:schemeClr val="tx1">
+                    <a:lumMod val="50000"/>
+                    <a:lumOff val="50000"/>
+                  </a:schemeClr>
+                </a:solidFill>
+                <a:cs typeface="Arial" panose="020B0604020202020204" pitchFamily="34" charset="0"/>
+              </a:rPr>
+              <a:t>순회</a:t>
+            </a:r>
+          </a:p>
+          <a:p>
+            <a:pPr>
+              <a:buClr>
+                <a:srgbClr val="3C479D"/>
+              </a:buClr>
+            </a:pPr>
+            <a:r>
+              <a:rPr lang="en-US" altLang="ko-KR" sz="1200">
+                <a:solidFill>
                   <a:schemeClr val="tx1"/>
                 </a:solidFill>
                 <a:cs typeface="Arial" panose="020B0604020202020204" pitchFamily="34" charset="0"/>
               </a:rPr>
+              <a:t>print("\n&lt;Pre-Order&gt;", end=' ')</a:t>
+            </a:r>
+          </a:p>
+          <a:p>
+            <a:pPr>
+              <a:buClr>
+                <a:srgbClr val="3C479D"/>
+              </a:buClr>
+            </a:pPr>
+            <a:r>
+              <a:rPr lang="en-US" altLang="ko-KR" sz="1200">
+                <a:solidFill>
+                  <a:schemeClr val="tx1"/>
+                </a:solidFill>
+                <a:cs typeface="Arial" panose="020B0604020202020204" pitchFamily="34" charset="0"/>
+              </a:rPr>
+              <a:t>pre_order_traverse(root)  </a:t>
+            </a:r>
+            <a:r>
+              <a:rPr lang="en-US" altLang="ko-KR" sz="1200">
+                <a:solidFill>
+                  <a:schemeClr val="tx1">
+                    <a:lumMod val="50000"/>
+                    <a:lumOff val="50000"/>
+                  </a:schemeClr>
+                </a:solidFill>
+                <a:cs typeface="Arial" panose="020B0604020202020204" pitchFamily="34" charset="0"/>
+              </a:rPr>
+              <a:t>#Root &gt; left &gt; right </a:t>
+            </a:r>
+            <a:r>
+              <a:rPr lang="ko-KR" altLang="en-US" sz="1200">
+                <a:solidFill>
+                  <a:schemeClr val="tx1">
+                    <a:lumMod val="50000"/>
+                    <a:lumOff val="50000"/>
+                  </a:schemeClr>
+                </a:solidFill>
+                <a:cs typeface="Arial" panose="020B0604020202020204" pitchFamily="34" charset="0"/>
+              </a:rPr>
               <a:t>순회</a:t>
             </a:r>
           </a:p>
@@ -17018,7 +17523,7 @@
                 </a:solidFill>
                 <a:cs typeface="Arial" panose="020B0604020202020204" pitchFamily="34" charset="0"/>
               </a:rPr>
-              <a:t>print("\n&lt;Pre-Order&gt;", end=' ')</a:t>
+              <a:t>print("\n&lt;Post-Order&gt;", end=' ')</a:t>
             </a:r>
           </a:p>
           <a:p>
@@ -17034,53 +17539,27 @@
                 </a:solidFill>
                 <a:cs typeface="Arial" panose="020B0604020202020204" pitchFamily="34" charset="0"/>
               </a:rPr>
-              <a:t>pre_order_traverse(root)  #Root &gt; left &gt; right </a:t>
+              <a:t>post_order_traverse(root) </a:t>
+            </a:r>
+            <a:r>
+              <a:rPr lang="en-US" altLang="ko-KR" sz="1200">
+                <a:solidFill>
+                  <a:schemeClr val="tx1">
+                    <a:lumMod val="50000"/>
+                    <a:lumOff val="50000"/>
+                  </a:schemeClr>
+                </a:solidFill>
+                <a:cs typeface="Arial" panose="020B0604020202020204" pitchFamily="34" charset="0"/>
+              </a:rPr>
+              <a:t>#left &gt; right &gt; root </a:t>
             </a:r>
             <a:r>
               <a:rPr lang="ko-KR" altLang="en-US" sz="1200">
                 <a:solidFill>
-                  <a:schemeClr val="tx1"/>
-                </a:solidFill>
-                <a:cs typeface="Arial" panose="020B0604020202020204" pitchFamily="34" charset="0"/>
-              </a:rPr>
-              <a:t>순회</a:t>
-            </a:r>
-          </a:p>
-          <a:p>
-            <a:pPr>
-              <a:buClr>
-                <a:srgbClr val="3C479D"/>
-              </a:buClr>
-            </a:pPr>
-            <a:r>
-              <a:rPr lang="en-US" altLang="ko-KR" sz="1200">
-                <a:solidFill>
-                  <a:schemeClr val="tx1"/>
-                </a:solidFill>
-                <a:cs typeface="Arial" panose="020B0604020202020204" pitchFamily="34" charset="0"/>
-              </a:rPr>
-              <a:t>print("\n&lt;Post-Order&gt;", end=' ')</a:t>
-            </a:r>
-          </a:p>
-          <a:p>
-            <a:pPr>
-              <a:buClr>
-                <a:srgbClr val="3C479D"/>
-              </a:buClr>
-            </a:pPr>
-            <a:r>
-              <a:rPr lang="en-US" altLang="ko-KR" sz="1200">
-                <a:solidFill>
-                  <a:schemeClr val="tx1"/>
-                </a:solidFill>
-                <a:cs typeface="Arial" panose="020B0604020202020204" pitchFamily="34" charset="0"/>
-              </a:rPr>
-              <a:t>post_order_traverse(root) #left &gt; right &gt; root </a:t>
-            </a:r>
-            <a:r>
-              <a:rPr lang="ko-KR" altLang="en-US" sz="1200">
-                <a:solidFill>
-                  <a:schemeClr val="tx1"/>
+                  <a:schemeClr val="tx1">
+                    <a:lumMod val="50000"/>
+                    <a:lumOff val="50000"/>
+                  </a:schemeClr>
                 </a:solidFill>
                 <a:cs typeface="Arial" panose="020B0604020202020204" pitchFamily="34" charset="0"/>
               </a:rPr>
@@ -17659,7 +18138,7 @@
                       </a:schemeClr>
                     </a:solidFill>
                   </a:rPr>
-                  <a:t>+</a:t>
+                  <a:t>*</a:t>
                 </a:r>
                 <a:endParaRPr lang="ko-KR" altLang="en-US" sz="1400">
                   <a:solidFill>
@@ -18530,18 +19009,18 @@
               </a:buClr>
             </a:pPr>
             <a:r>
-              <a:rPr lang="en-US" altLang="ko-KR" sz="1300" smtClean="0">
-                <a:solidFill>
-                  <a:schemeClr val="tx1"/>
+              <a:rPr lang="en-US" altLang="ko-KR" sz="1400" smtClean="0">
+                <a:solidFill>
+                  <a:srgbClr val="008000"/>
                 </a:solidFill>
                 <a:cs typeface="Arial" panose="020B0604020202020204" pitchFamily="34" charset="0"/>
               </a:rPr>
               <a:t>expression </a:t>
             </a:r>
             <a:r>
-              <a:rPr lang="en-US" altLang="ko-KR" sz="1300">
-                <a:solidFill>
-                  <a:schemeClr val="tx1"/>
+              <a:rPr lang="en-US" altLang="ko-KR" sz="1400">
+                <a:solidFill>
+                  <a:srgbClr val="008000"/>
                 </a:solidFill>
                 <a:cs typeface="Arial" panose="020B0604020202020204" pitchFamily="34" charset="0"/>
               </a:rPr>
@@ -19485,7 +19964,7 @@
                       </a:schemeClr>
                     </a:solidFill>
                   </a:rPr>
-                  <a:t>+</a:t>
+                  <a:t>*</a:t>
                 </a:r>
                 <a:endParaRPr lang="ko-KR" altLang="en-US" sz="1400">
                   <a:solidFill>
@@ -20235,32 +20714,28 @@
                 </a:solidFill>
                 <a:cs typeface="Arial" panose="020B0604020202020204" pitchFamily="34" charset="0"/>
               </a:rPr>
-              <a:t>    if root is not None:</a:t>
-            </a:r>
-          </a:p>
-          <a:p>
-            <a:pPr>
-              <a:buClr>
-                <a:srgbClr val="3C479D"/>
-              </a:buClr>
-            </a:pPr>
-            <a:r>
-              <a:rPr lang="en-US" altLang="ko-KR" sz="1300">
+              <a:t>    if root is not None</a:t>
+            </a:r>
+            <a:r>
+              <a:rPr lang="en-US" altLang="ko-KR" sz="1300" smtClean="0">
                 <a:solidFill>
                   <a:schemeClr val="tx1"/>
                 </a:solidFill>
                 <a:cs typeface="Arial" panose="020B0604020202020204" pitchFamily="34" charset="0"/>
               </a:rPr>
-              <a:t>        stack.extend(evaluate_binary_tree(root.left</a:t>
+              <a:t>:  </a:t>
             </a:r>
             <a:r>
               <a:rPr lang="en-US" altLang="ko-KR" sz="1300" smtClean="0">
                 <a:solidFill>
-                  <a:schemeClr val="tx1"/>
-                </a:solidFill>
-                <a:cs typeface="Arial" panose="020B0604020202020204" pitchFamily="34" charset="0"/>
-              </a:rPr>
-              <a:t>))    </a:t>
+                  <a:schemeClr val="tx1">
+                    <a:lumMod val="50000"/>
+                    <a:lumOff val="50000"/>
+                  </a:schemeClr>
+                </a:solidFill>
+                <a:cs typeface="Arial" panose="020B0604020202020204" pitchFamily="34" charset="0"/>
+              </a:rPr>
+              <a:t>#</a:t>
             </a:r>
             <a:r>
               <a:rPr lang="en-US" altLang="ko-KR" sz="1300" smtClean="0">
@@ -20272,7 +20747,19 @@
                 </a:solidFill>
                 <a:cs typeface="Arial" panose="020B0604020202020204" pitchFamily="34" charset="0"/>
               </a:rPr>
-              <a:t>#left traverse</a:t>
+              <a:t>Post Order Traverse</a:t>
+            </a:r>
+            <a:r>
+              <a:rPr lang="ko-KR" altLang="en-US" sz="1300" smtClean="0">
+                <a:solidFill>
+                  <a:schemeClr val="tx1">
+                    <a:lumMod val="50000"/>
+                    <a:lumOff val="50000"/>
+                  </a:schemeClr>
+                </a:solidFill>
+                <a:cs typeface="Arial" panose="020B0604020202020204" pitchFamily="34" charset="0"/>
+              </a:rPr>
+              <a:t>로 운행</a:t>
             </a:r>
             <a:endParaRPr lang="en-US" altLang="ko-KR" sz="1300">
               <a:solidFill>
@@ -20297,16 +20784,34 @@
                 </a:solidFill>
                 <a:cs typeface="Arial" panose="020B0604020202020204" pitchFamily="34" charset="0"/>
               </a:rPr>
-              <a:t>        stack.extend(evaluate_binary_tree(root.right</a:t>
+              <a:t>        stack.extend(</a:t>
+            </a:r>
+            <a:r>
+              <a:rPr lang="en-US" altLang="ko-KR" sz="1300">
+                <a:solidFill>
+                  <a:srgbClr val="C00000"/>
+                </a:solidFill>
+                <a:cs typeface="Arial" panose="020B0604020202020204" pitchFamily="34" charset="0"/>
+              </a:rPr>
+              <a:t>evaluate_binary_tree(root.left</a:t>
             </a:r>
             <a:r>
               <a:rPr lang="en-US" altLang="ko-KR" sz="1300" smtClean="0">
                 <a:solidFill>
+                  <a:srgbClr val="C00000"/>
+                </a:solidFill>
+                <a:cs typeface="Arial" panose="020B0604020202020204" pitchFamily="34" charset="0"/>
+              </a:rPr>
+              <a:t>)</a:t>
+            </a:r>
+            <a:r>
+              <a:rPr lang="en-US" altLang="ko-KR" sz="1300" smtClean="0">
+                <a:solidFill>
                   <a:schemeClr val="tx1"/>
                 </a:solidFill>
                 <a:cs typeface="Arial" panose="020B0604020202020204" pitchFamily="34" charset="0"/>
               </a:rPr>
-              <a:t>))  </a:t>
+              <a:t>)    </a:t>
             </a:r>
             <a:r>
               <a:rPr lang="en-US" altLang="ko-KR" sz="1300" smtClean="0">
@@ -20318,7 +20823,7 @@
                 </a:solidFill>
                 <a:cs typeface="Arial" panose="020B0604020202020204" pitchFamily="34" charset="0"/>
               </a:rPr>
-              <a:t>#right traverse</a:t>
+              <a:t>#left traverse</a:t>
             </a:r>
             <a:endParaRPr lang="en-US" altLang="ko-KR" sz="1300">
               <a:solidFill>
@@ -20343,16 +20848,34 @@
                 </a:solidFill>
                 <a:cs typeface="Arial" panose="020B0604020202020204" pitchFamily="34" charset="0"/>
               </a:rPr>
-              <a:t>        if root.value.isdigit</a:t>
+              <a:t>        stack.extend(</a:t>
+            </a:r>
+            <a:r>
+              <a:rPr lang="en-US" altLang="ko-KR" sz="1300">
+                <a:solidFill>
+                  <a:srgbClr val="C00000"/>
+                </a:solidFill>
+                <a:cs typeface="Arial" panose="020B0604020202020204" pitchFamily="34" charset="0"/>
+              </a:rPr>
+              <a:t>evaluate_binary_tree(root.right</a:t>
             </a:r>
             <a:r>
               <a:rPr lang="en-US" altLang="ko-KR" sz="1300" smtClean="0">
                 <a:solidFill>
+                  <a:srgbClr val="C00000"/>
+                </a:solidFill>
+                <a:cs typeface="Arial" panose="020B0604020202020204" pitchFamily="34" charset="0"/>
+              </a:rPr>
+              <a:t>)</a:t>
+            </a:r>
+            <a:r>
+              <a:rPr lang="en-US" altLang="ko-KR" sz="1300" smtClean="0">
+                <a:solidFill>
                   <a:schemeClr val="tx1"/>
                 </a:solidFill>
                 <a:cs typeface="Arial" panose="020B0604020202020204" pitchFamily="34" charset="0"/>
               </a:rPr>
-              <a:t>():                                 </a:t>
+              <a:t>)  </a:t>
             </a:r>
             <a:r>
               <a:rPr lang="en-US" altLang="ko-KR" sz="1300" smtClean="0">
@@ -20364,7 +20887,7 @@
                 </a:solidFill>
                 <a:cs typeface="Arial" panose="020B0604020202020204" pitchFamily="34" charset="0"/>
               </a:rPr>
-              <a:t>#root traverse</a:t>
+              <a:t>#right traverse</a:t>
             </a:r>
             <a:endParaRPr lang="en-US" altLang="ko-KR" sz="1300">
               <a:solidFill>
@@ -20389,8 +20912,38 @@
                 </a:solidFill>
                 <a:cs typeface="Arial" panose="020B0604020202020204" pitchFamily="34" charset="0"/>
               </a:rPr>
-              <a:t>            stack.append(int(root.value))</a:t>
-            </a:r>
+              <a:t>        if root.value.isdigit</a:t>
+            </a:r>
+            <a:r>
+              <a:rPr lang="en-US" altLang="ko-KR" sz="1300" smtClean="0">
+                <a:solidFill>
+                  <a:schemeClr val="tx1"/>
+                </a:solidFill>
+                <a:cs typeface="Arial" panose="020B0604020202020204" pitchFamily="34" charset="0"/>
+              </a:rPr>
+              <a:t>():                                 </a:t>
+            </a:r>
+            <a:r>
+              <a:rPr lang="en-US" altLang="ko-KR" sz="1300" smtClean="0">
+                <a:solidFill>
+                  <a:schemeClr val="tx1">
+                    <a:lumMod val="50000"/>
+                    <a:lumOff val="50000"/>
+                  </a:schemeClr>
+                </a:solidFill>
+                <a:cs typeface="Arial" panose="020B0604020202020204" pitchFamily="34" charset="0"/>
+              </a:rPr>
+              <a:t>#root traverse</a:t>
+            </a:r>
+            <a:endParaRPr lang="en-US" altLang="ko-KR" sz="1300">
+              <a:solidFill>
+                <a:schemeClr val="tx1">
+                  <a:lumMod val="50000"/>
+                  <a:lumOff val="50000"/>
+                </a:schemeClr>
+              </a:solidFill>
+              <a:cs typeface="Arial" panose="020B0604020202020204" pitchFamily="34" charset="0"/>
+            </a:endParaRPr>
           </a:p>
           <a:p>
             <a:pPr>
@@ -20405,6 +20958,76 @@
                 </a:solidFill>
                 <a:cs typeface="Arial" panose="020B0604020202020204" pitchFamily="34" charset="0"/>
               </a:rPr>
+              <a:t>            stack.append(int(root.value</a:t>
+            </a:r>
+            <a:r>
+              <a:rPr lang="en-US" altLang="ko-KR" sz="1300" smtClean="0">
+                <a:solidFill>
+                  <a:schemeClr val="tx1"/>
+                </a:solidFill>
+                <a:cs typeface="Arial" panose="020B0604020202020204" pitchFamily="34" charset="0"/>
+              </a:rPr>
+              <a:t>))  </a:t>
+            </a:r>
+            <a:r>
+              <a:rPr lang="en-US" altLang="ko-KR" sz="1300" smtClean="0">
+                <a:solidFill>
+                  <a:schemeClr val="tx1">
+                    <a:lumMod val="50000"/>
+                    <a:lumOff val="50000"/>
+                  </a:schemeClr>
+                </a:solidFill>
+                <a:cs typeface="Arial" panose="020B0604020202020204" pitchFamily="34" charset="0"/>
+              </a:rPr>
+              <a:t>#</a:t>
+            </a:r>
+            <a:r>
+              <a:rPr lang="ko-KR" altLang="en-US" sz="1300" smtClean="0">
+                <a:solidFill>
+                  <a:schemeClr val="tx1">
+                    <a:lumMod val="50000"/>
+                    <a:lumOff val="50000"/>
+                  </a:schemeClr>
+                </a:solidFill>
+                <a:cs typeface="Arial" panose="020B0604020202020204" pitchFamily="34" charset="0"/>
+              </a:rPr>
+              <a:t>피연산자 </a:t>
+            </a:r>
+            <a:r>
+              <a:rPr lang="en-US" altLang="ko-KR" sz="1300" smtClean="0">
+                <a:solidFill>
+                  <a:schemeClr val="tx1">
+                    <a:lumMod val="50000"/>
+                    <a:lumOff val="50000"/>
+                  </a:schemeClr>
+                </a:solidFill>
+                <a:cs typeface="Arial" panose="020B0604020202020204" pitchFamily="34" charset="0"/>
+              </a:rPr>
+              <a:t>Push</a:t>
+            </a:r>
+            <a:endParaRPr lang="en-US" altLang="ko-KR" sz="1300">
+              <a:solidFill>
+                <a:schemeClr val="tx1">
+                  <a:lumMod val="50000"/>
+                  <a:lumOff val="50000"/>
+                </a:schemeClr>
+              </a:solidFill>
+              <a:cs typeface="Arial" panose="020B0604020202020204" pitchFamily="34" charset="0"/>
+            </a:endParaRPr>
+          </a:p>
+          <a:p>
+            <a:pPr>
+              <a:buClr>
+                <a:srgbClr val="3C479D"/>
+              </a:buClr>
+            </a:pPr>
+            <a:r>
+              <a:rPr lang="en-US" altLang="ko-KR" sz="1300">
+                <a:solidFill>
+                  <a:schemeClr val="tx1"/>
+                </a:solidFill>
+                <a:cs typeface="Arial" panose="020B0604020202020204" pitchFamily="34" charset="0"/>
+              </a:rPr>
               <a:t>            </a:t>
             </a:r>
             <a:r>
@@ -20454,8 +21077,86 @@
                 </a:solidFill>
                 <a:cs typeface="Arial" panose="020B0604020202020204" pitchFamily="34" charset="0"/>
               </a:rPr>
-              <a:t>        else:</a:t>
-            </a:r>
+              <a:t>        else</a:t>
+            </a:r>
+            <a:r>
+              <a:rPr lang="en-US" altLang="ko-KR" sz="1300" smtClean="0">
+                <a:solidFill>
+                  <a:schemeClr val="tx1"/>
+                </a:solidFill>
+                <a:cs typeface="Arial" panose="020B0604020202020204" pitchFamily="34" charset="0"/>
+              </a:rPr>
+              <a:t>:   </a:t>
+            </a:r>
+            <a:r>
+              <a:rPr lang="en-US" altLang="ko-KR" sz="1300" smtClean="0">
+                <a:solidFill>
+                  <a:schemeClr val="tx1">
+                    <a:lumMod val="50000"/>
+                    <a:lumOff val="50000"/>
+                  </a:schemeClr>
+                </a:solidFill>
+                <a:cs typeface="Arial" panose="020B0604020202020204" pitchFamily="34" charset="0"/>
+              </a:rPr>
+              <a:t>#</a:t>
+            </a:r>
+            <a:r>
+              <a:rPr lang="ko-KR" altLang="en-US" sz="1300" smtClean="0">
+                <a:solidFill>
+                  <a:schemeClr val="tx1">
+                    <a:lumMod val="50000"/>
+                    <a:lumOff val="50000"/>
+                  </a:schemeClr>
+                </a:solidFill>
+                <a:cs typeface="Arial" panose="020B0604020202020204" pitchFamily="34" charset="0"/>
+              </a:rPr>
+              <a:t>연산자 만나면</a:t>
+            </a:r>
+            <a:r>
+              <a:rPr lang="en-US" altLang="ko-KR" sz="1300" smtClean="0">
+                <a:solidFill>
+                  <a:schemeClr val="tx1">
+                    <a:lumMod val="50000"/>
+                    <a:lumOff val="50000"/>
+                  </a:schemeClr>
+                </a:solidFill>
+                <a:cs typeface="Arial" panose="020B0604020202020204" pitchFamily="34" charset="0"/>
+              </a:rPr>
+              <a:t>, Pop, Pop </a:t>
+            </a:r>
+            <a:r>
+              <a:rPr lang="ko-KR" altLang="en-US" sz="1300" smtClean="0">
+                <a:solidFill>
+                  <a:schemeClr val="tx1">
+                    <a:lumMod val="50000"/>
+                    <a:lumOff val="50000"/>
+                  </a:schemeClr>
+                </a:solidFill>
+                <a:cs typeface="Arial" panose="020B0604020202020204" pitchFamily="34" charset="0"/>
+              </a:rPr>
+              <a:t>하연 연산 후 결과를 </a:t>
+            </a:r>
+            <a:r>
+              <a:rPr lang="en-US" altLang="ko-KR" sz="1300" smtClean="0">
+                <a:solidFill>
+                  <a:schemeClr val="tx1">
+                    <a:lumMod val="50000"/>
+                    <a:lumOff val="50000"/>
+                  </a:schemeClr>
+                </a:solidFill>
+                <a:cs typeface="Arial" panose="020B0604020202020204" pitchFamily="34" charset="0"/>
+              </a:rPr>
+              <a:t>Push</a:t>
+            </a:r>
+            <a:endParaRPr lang="en-US" altLang="ko-KR" sz="1300">
+              <a:solidFill>
+                <a:schemeClr val="tx1">
+                  <a:lumMod val="50000"/>
+                  <a:lumOff val="50000"/>
+                </a:schemeClr>
+              </a:solidFill>
+              <a:cs typeface="Arial" panose="020B0604020202020204" pitchFamily="34" charset="0"/>
+            </a:endParaRPr>
           </a:p>
           <a:p>
             <a:pPr>
@@ -20582,7 +21283,16 @@
                 </a:solidFill>
                 <a:cs typeface="Arial" panose="020B0604020202020204" pitchFamily="34" charset="0"/>
               </a:rPr>
-              <a:t>            result = perform_operation(root.value, operand1, operand2)</a:t>
+              <a:t>            result = </a:t>
+            </a:r>
+            <a:r>
+              <a:rPr lang="en-US" altLang="ko-KR" sz="1300">
+                <a:solidFill>
+                  <a:srgbClr val="0000FF"/>
+                </a:solidFill>
+                <a:cs typeface="Arial" panose="020B0604020202020204" pitchFamily="34" charset="0"/>
+              </a:rPr>
+              <a:t>perform_operation(root.value, operand1, operand2)</a:t>
             </a:r>
           </a:p>
           <a:p>
@@ -20614,8 +21324,62 @@
                 </a:solidFill>
                 <a:cs typeface="Arial" panose="020B0604020202020204" pitchFamily="34" charset="0"/>
               </a:rPr>
-              <a:t>            stack.append(result)</a:t>
-            </a:r>
+              <a:t>            stack.append(result</a:t>
+            </a:r>
+            <a:r>
+              <a:rPr lang="en-US" altLang="ko-KR" sz="1300" smtClean="0">
+                <a:solidFill>
+                  <a:schemeClr val="tx1"/>
+                </a:solidFill>
+                <a:cs typeface="Arial" panose="020B0604020202020204" pitchFamily="34" charset="0"/>
+              </a:rPr>
+              <a:t>)  </a:t>
+            </a:r>
+            <a:r>
+              <a:rPr lang="en-US" altLang="ko-KR" sz="1300" smtClean="0">
+                <a:solidFill>
+                  <a:schemeClr val="tx1">
+                    <a:lumMod val="50000"/>
+                    <a:lumOff val="50000"/>
+                  </a:schemeClr>
+                </a:solidFill>
+                <a:cs typeface="Arial" panose="020B0604020202020204" pitchFamily="34" charset="0"/>
+              </a:rPr>
+              <a:t>#</a:t>
+            </a:r>
+            <a:r>
+              <a:rPr lang="ko-KR" altLang="en-US" sz="1300" smtClean="0">
+                <a:solidFill>
+                  <a:schemeClr val="tx1">
+                    <a:lumMod val="50000"/>
+                    <a:lumOff val="50000"/>
+                  </a:schemeClr>
+                </a:solidFill>
+                <a:cs typeface="Arial" panose="020B0604020202020204" pitchFamily="34" charset="0"/>
+              </a:rPr>
+              <a:t>연산 결과 </a:t>
+            </a:r>
+            <a:r>
+              <a:rPr lang="en-US" altLang="ko-KR" sz="1300" smtClean="0">
+                <a:solidFill>
+                  <a:schemeClr val="tx1">
+                    <a:lumMod val="50000"/>
+                    <a:lumOff val="50000"/>
+                  </a:schemeClr>
+                </a:solidFill>
+                <a:cs typeface="Arial" panose="020B0604020202020204" pitchFamily="34" charset="0"/>
+              </a:rPr>
+              <a:t>Push</a:t>
+            </a:r>
+            <a:endParaRPr lang="en-US" altLang="ko-KR" sz="1300">
+              <a:solidFill>
+                <a:schemeClr val="tx1">
+                  <a:lumMod val="50000"/>
+                  <a:lumOff val="50000"/>
+                </a:schemeClr>
+              </a:solidFill>
+              <a:cs typeface="Arial" panose="020B0604020202020204" pitchFamily="34" charset="0"/>
+            </a:endParaRPr>
           </a:p>
           <a:p>
             <a:pPr>
@@ -21353,7 +22117,7 @@
                       </a:schemeClr>
                     </a:solidFill>
                   </a:rPr>
-                  <a:t>+</a:t>
+                  <a:t>*</a:t>
                 </a:r>
                 <a:endParaRPr lang="ko-KR" altLang="en-US" sz="1400">
                   <a:solidFill>
@@ -22071,8 +22835,50 @@
                 </a:solidFill>
                 <a:cs typeface="Arial" panose="020B0604020202020204" pitchFamily="34" charset="0"/>
               </a:rPr>
-              <a:t>perform_operation(operator, operand1, operand2):</a:t>
-            </a:r>
+              <a:t>perform_operation(operator, operand1, operand2</a:t>
+            </a:r>
+            <a:r>
+              <a:rPr lang="en-US" altLang="ko-KR" sz="1400" smtClean="0">
+                <a:solidFill>
+                  <a:srgbClr val="C00000"/>
+                </a:solidFill>
+                <a:cs typeface="Arial" panose="020B0604020202020204" pitchFamily="34" charset="0"/>
+              </a:rPr>
+              <a:t>):  </a:t>
+            </a:r>
+            <a:r>
+              <a:rPr lang="en-US" altLang="ko-KR" sz="1400" smtClean="0">
+                <a:solidFill>
+                  <a:schemeClr val="tx1">
+                    <a:lumMod val="50000"/>
+                    <a:lumOff val="50000"/>
+                  </a:schemeClr>
+                </a:solidFill>
+                <a:cs typeface="Arial" panose="020B0604020202020204" pitchFamily="34" charset="0"/>
+              </a:rPr>
+              <a:t>#2</a:t>
+            </a:r>
+            <a:r>
+              <a:rPr lang="ko-KR" altLang="en-US" sz="1400" smtClean="0">
+                <a:solidFill>
+                  <a:schemeClr val="tx1">
+                    <a:lumMod val="50000"/>
+                    <a:lumOff val="50000"/>
+                  </a:schemeClr>
+                </a:solidFill>
+                <a:cs typeface="Arial" panose="020B0604020202020204" pitchFamily="34" charset="0"/>
+              </a:rPr>
+              <a:t>항 연산</a:t>
+            </a:r>
+            <a:endParaRPr lang="en-US" altLang="ko-KR" sz="1400">
+              <a:solidFill>
+                <a:schemeClr val="tx1">
+                  <a:lumMod val="50000"/>
+                  <a:lumOff val="50000"/>
+                </a:schemeClr>
+              </a:solidFill>
+              <a:cs typeface="Arial" panose="020B0604020202020204" pitchFamily="34" charset="0"/>
+            </a:endParaRPr>
           </a:p>
           <a:p>
             <a:pPr>
@@ -22898,7 +23704,7 @@
                       </a:schemeClr>
                     </a:solidFill>
                   </a:rPr>
-                  <a:t>+</a:t>
+                  <a:t>*</a:t>
                 </a:r>
                 <a:endParaRPr lang="ko-KR" altLang="en-US" sz="1400">
                   <a:solidFill>
